--- a/191120oda.pptx
+++ b/191120oda.pptx
@@ -237,7 +237,7 @@
           <a:p>
             <a:fld id="{D69C877A-1408-4CA7-AF97-EB5419D186A0}" type="datetimeFigureOut">
               <a:rPr kumimoji="1" lang="ja-JP" altLang="en-US" smtClean="0"/>
-              <a:t>2019/11/11</a:t>
+              <a:t>2019/11/12</a:t>
             </a:fld>
             <a:endParaRPr kumimoji="1" lang="ja-JP" altLang="en-US"/>
           </a:p>
@@ -402,7 +402,7 @@
           <a:p>
             <a:fld id="{374788A5-3B01-435B-A23C-A845A191AE97}" type="datetimeFigureOut">
               <a:rPr kumimoji="1" lang="ja-JP" altLang="en-US" smtClean="0"/>
-              <a:t>2019/11/11</a:t>
+              <a:t>2019/11/12</a:t>
             </a:fld>
             <a:endParaRPr kumimoji="1" lang="ja-JP" altLang="en-US"/>
           </a:p>
@@ -7442,7 +7442,7 @@
           <p:cNvPr id="2" name="タイトル 1">
             <a:extLst>
               <a:ext uri="{FF2B5EF4-FFF2-40B4-BE49-F238E27FC236}">
-                <a16:creationId xmlns:a16="http://schemas.microsoft.com/office/drawing/2014/main" xmlns="" id="{FD4F6492-A51F-4C63-AFD4-2658EC392FB2}"/>
+                <a16:creationId xmlns="" xmlns:a16="http://schemas.microsoft.com/office/drawing/2014/main" id="{FD4F6492-A51F-4C63-AFD4-2658EC392FB2}"/>
               </a:ext>
             </a:extLst>
           </p:cNvPr>
@@ -7474,7 +7474,7 @@
           <p:cNvPr id="4" name="スライド番号プレースホルダー 3">
             <a:extLst>
               <a:ext uri="{FF2B5EF4-FFF2-40B4-BE49-F238E27FC236}">
-                <a16:creationId xmlns:a16="http://schemas.microsoft.com/office/drawing/2014/main" xmlns="" id="{333BC96F-3A99-41E3-BD58-A80E575D3F95}"/>
+                <a16:creationId xmlns="" xmlns:a16="http://schemas.microsoft.com/office/drawing/2014/main" id="{333BC96F-3A99-41E3-BD58-A80E575D3F95}"/>
               </a:ext>
             </a:extLst>
           </p:cNvPr>
@@ -7506,7 +7506,7 @@
               <p:cNvPr id="5" name="コンテンツ プレースホルダー 4">
                 <a:extLst>
                   <a:ext uri="{FF2B5EF4-FFF2-40B4-BE49-F238E27FC236}">
-                    <a16:creationId xmlns:a16="http://schemas.microsoft.com/office/drawing/2014/main" xmlns="" id="{1C69B798-EB63-4861-A7FD-6D2A9E4B3BBB}"/>
+                    <a16:creationId xmlns="" xmlns:a16="http://schemas.microsoft.com/office/drawing/2014/main" id="{1C69B798-EB63-4861-A7FD-6D2A9E4B3BBB}"/>
                   </a:ext>
                 </a:extLst>
               </p:cNvPr>
@@ -7535,21 +7535,21 @@
                     <a:gridCol w="2923242">
                       <a:extLst>
                         <a:ext uri="{9D8B030D-6E8A-4147-A177-3AD203B41FA5}">
-                          <a16:colId xmlns:a16="http://schemas.microsoft.com/office/drawing/2014/main" xmlns="" val="20000"/>
+                          <a16:colId xmlns="" xmlns:a16="http://schemas.microsoft.com/office/drawing/2014/main" val="20000"/>
                         </a:ext>
                       </a:extLst>
                     </a:gridCol>
                     <a:gridCol w="1597344">
                       <a:extLst>
                         <a:ext uri="{9D8B030D-6E8A-4147-A177-3AD203B41FA5}">
-                          <a16:colId xmlns:a16="http://schemas.microsoft.com/office/drawing/2014/main" xmlns="" val="20001"/>
+                          <a16:colId xmlns="" xmlns:a16="http://schemas.microsoft.com/office/drawing/2014/main" val="20001"/>
                         </a:ext>
                       </a:extLst>
                     </a:gridCol>
                     <a:gridCol w="3206798">
                       <a:extLst>
                         <a:ext uri="{9D8B030D-6E8A-4147-A177-3AD203B41FA5}">
-                          <a16:colId xmlns:a16="http://schemas.microsoft.com/office/drawing/2014/main" xmlns="" val="20002"/>
+                          <a16:colId xmlns="" xmlns:a16="http://schemas.microsoft.com/office/drawing/2014/main" val="20002"/>
                         </a:ext>
                       </a:extLst>
                     </a:gridCol>
@@ -7599,7 +7599,7 @@
                     </a:tc>
                     <a:extLst>
                       <a:ext uri="{0D108BD9-81ED-4DB2-BD59-A6C34878D82A}">
-                        <a16:rowId xmlns:a16="http://schemas.microsoft.com/office/drawing/2014/main" xmlns="" val="10000"/>
+                        <a16:rowId xmlns="" xmlns:a16="http://schemas.microsoft.com/office/drawing/2014/main" val="10000"/>
                       </a:ext>
                     </a:extLst>
                   </a:tr>
@@ -7696,7 +7696,7 @@
                     </a:tc>
                     <a:extLst>
                       <a:ext uri="{0D108BD9-81ED-4DB2-BD59-A6C34878D82A}">
-                        <a16:rowId xmlns:a16="http://schemas.microsoft.com/office/drawing/2014/main" xmlns="" val="10001"/>
+                        <a16:rowId xmlns="" xmlns:a16="http://schemas.microsoft.com/office/drawing/2014/main" val="10001"/>
                       </a:ext>
                     </a:extLst>
                   </a:tr>
@@ -7766,7 +7766,7 @@
                     </a:tc>
                     <a:extLst>
                       <a:ext uri="{0D108BD9-81ED-4DB2-BD59-A6C34878D82A}">
-                        <a16:rowId xmlns:a16="http://schemas.microsoft.com/office/drawing/2014/main" xmlns="" val="10002"/>
+                        <a16:rowId xmlns="" xmlns:a16="http://schemas.microsoft.com/office/drawing/2014/main" val="10002"/>
                       </a:ext>
                     </a:extLst>
                   </a:tr>
@@ -7824,7 +7824,7 @@
                     </a:tc>
                     <a:extLst>
                       <a:ext uri="{0D108BD9-81ED-4DB2-BD59-A6C34878D82A}">
-                        <a16:rowId xmlns:a16="http://schemas.microsoft.com/office/drawing/2014/main" xmlns="" val="10003"/>
+                        <a16:rowId xmlns="" xmlns:a16="http://schemas.microsoft.com/office/drawing/2014/main" val="10003"/>
                       </a:ext>
                     </a:extLst>
                   </a:tr>
@@ -7939,7 +7939,7 @@
                     </a:tc>
                     <a:extLst>
                       <a:ext uri="{0D108BD9-81ED-4DB2-BD59-A6C34878D82A}">
-                        <a16:rowId xmlns:a16="http://schemas.microsoft.com/office/drawing/2014/main" xmlns="" val="10004"/>
+                        <a16:rowId xmlns="" xmlns:a16="http://schemas.microsoft.com/office/drawing/2014/main" val="10004"/>
                       </a:ext>
                     </a:extLst>
                   </a:tr>
@@ -8039,7 +8039,7 @@
                     </a:tc>
                     <a:extLst>
                       <a:ext uri="{0D108BD9-81ED-4DB2-BD59-A6C34878D82A}">
-                        <a16:rowId xmlns:a16="http://schemas.microsoft.com/office/drawing/2014/main" xmlns="" val="1921047448"/>
+                        <a16:rowId xmlns="" xmlns:a16="http://schemas.microsoft.com/office/drawing/2014/main" val="1921047448"/>
                       </a:ext>
                     </a:extLst>
                   </a:tr>
@@ -10366,7 +10366,7 @@
           <p:cNvPr id="44" name="コンテンツ プレースホルダー 2">
             <a:extLst>
               <a:ext uri="{FF2B5EF4-FFF2-40B4-BE49-F238E27FC236}">
-                <a16:creationId xmlns:a16="http://schemas.microsoft.com/office/drawing/2014/main" xmlns="" id="{FF1AEBCD-8080-443B-8D28-D3C3FE23AE32}"/>
+                <a16:creationId xmlns="" xmlns:a16="http://schemas.microsoft.com/office/drawing/2014/main" id="{FF1AEBCD-8080-443B-8D28-D3C3FE23AE32}"/>
               </a:ext>
             </a:extLst>
           </p:cNvPr>
@@ -10680,7 +10680,7 @@
           <p:cNvPr id="2" name="タイトル 1">
             <a:extLst>
               <a:ext uri="{FF2B5EF4-FFF2-40B4-BE49-F238E27FC236}">
-                <a16:creationId xmlns:a16="http://schemas.microsoft.com/office/drawing/2014/main" xmlns="" id="{47F6D5F1-A7E9-4E3D-A273-1FF4D2B5E228}"/>
+                <a16:creationId xmlns="" xmlns:a16="http://schemas.microsoft.com/office/drawing/2014/main" id="{47F6D5F1-A7E9-4E3D-A273-1FF4D2B5E228}"/>
               </a:ext>
             </a:extLst>
           </p:cNvPr>
@@ -10708,7 +10708,7 @@
           <p:cNvPr id="3" name="コンテンツ プレースホルダー 2">
             <a:extLst>
               <a:ext uri="{FF2B5EF4-FFF2-40B4-BE49-F238E27FC236}">
-                <a16:creationId xmlns:a16="http://schemas.microsoft.com/office/drawing/2014/main" xmlns="" id="{FF1AEBCD-8080-443B-8D28-D3C3FE23AE32}"/>
+                <a16:creationId xmlns="" xmlns:a16="http://schemas.microsoft.com/office/drawing/2014/main" id="{FF1AEBCD-8080-443B-8D28-D3C3FE23AE32}"/>
               </a:ext>
             </a:extLst>
           </p:cNvPr>
@@ -10747,7 +10747,7 @@
           <p:cNvPr id="4" name="スライド番号プレースホルダー 3">
             <a:extLst>
               <a:ext uri="{FF2B5EF4-FFF2-40B4-BE49-F238E27FC236}">
-                <a16:creationId xmlns:a16="http://schemas.microsoft.com/office/drawing/2014/main" xmlns="" id="{7C3865F3-F28A-4234-87F6-6F3FA6407BC6}"/>
+                <a16:creationId xmlns="" xmlns:a16="http://schemas.microsoft.com/office/drawing/2014/main" id="{7C3865F3-F28A-4234-87F6-6F3FA6407BC6}"/>
               </a:ext>
             </a:extLst>
           </p:cNvPr>
@@ -10831,7 +10831,7 @@
           <p:cNvPr id="10" name="コンテンツ プレースホルダー 2">
             <a:extLst>
               <a:ext uri="{FF2B5EF4-FFF2-40B4-BE49-F238E27FC236}">
-                <a16:creationId xmlns:a16="http://schemas.microsoft.com/office/drawing/2014/main" xmlns="" id="{FF1AEBCD-8080-443B-8D28-D3C3FE23AE32}"/>
+                <a16:creationId xmlns="" xmlns:a16="http://schemas.microsoft.com/office/drawing/2014/main" id="{FF1AEBCD-8080-443B-8D28-D3C3FE23AE32}"/>
               </a:ext>
             </a:extLst>
           </p:cNvPr>
@@ -11107,7 +11107,7 @@
               <p:cNvPr id="8" name="コンテンツ プレースホルダー 2">
                 <a:extLst>
                   <a:ext uri="{FF2B5EF4-FFF2-40B4-BE49-F238E27FC236}">
-                    <a16:creationId xmlns:a16="http://schemas.microsoft.com/office/drawing/2014/main" xmlns="" id="{B5035165-3E53-4716-A97B-E96CA2516894}"/>
+                    <a16:creationId xmlns="" xmlns:a16="http://schemas.microsoft.com/office/drawing/2014/main" id="{B5035165-3E53-4716-A97B-E96CA2516894}"/>
                   </a:ext>
                 </a:extLst>
               </p:cNvPr>
@@ -11601,14 +11601,14 @@
                     <a:gridCol w="4169445">
                       <a:extLst>
                         <a:ext uri="{9D8B030D-6E8A-4147-A177-3AD203B41FA5}">
-                          <a16:colId xmlns:a16="http://schemas.microsoft.com/office/drawing/2014/main" xmlns="" val="20000"/>
+                          <a16:colId xmlns="" xmlns:a16="http://schemas.microsoft.com/office/drawing/2014/main" val="20000"/>
                         </a:ext>
                       </a:extLst>
                     </a:gridCol>
                     <a:gridCol w="4197315">
                       <a:extLst>
                         <a:ext uri="{9D8B030D-6E8A-4147-A177-3AD203B41FA5}">
-                          <a16:colId xmlns:a16="http://schemas.microsoft.com/office/drawing/2014/main" xmlns="" val="20001"/>
+                          <a16:colId xmlns="" xmlns:a16="http://schemas.microsoft.com/office/drawing/2014/main" val="20001"/>
                         </a:ext>
                       </a:extLst>
                     </a:gridCol>
@@ -11644,7 +11644,7 @@
                     </a:tc>
                     <a:extLst>
                       <a:ext uri="{0D108BD9-81ED-4DB2-BD59-A6C34878D82A}">
-                        <a16:rowId xmlns:a16="http://schemas.microsoft.com/office/drawing/2014/main" xmlns="" val="10000"/>
+                        <a16:rowId xmlns="" xmlns:a16="http://schemas.microsoft.com/office/drawing/2014/main" val="10000"/>
                       </a:ext>
                     </a:extLst>
                   </a:tr>
@@ -11944,7 +11944,7 @@
                     </a:tc>
                     <a:extLst>
                       <a:ext uri="{0D108BD9-81ED-4DB2-BD59-A6C34878D82A}">
-                        <a16:rowId xmlns:a16="http://schemas.microsoft.com/office/drawing/2014/main" xmlns="" val="10001"/>
+                        <a16:rowId xmlns="" xmlns:a16="http://schemas.microsoft.com/office/drawing/2014/main" val="10001"/>
                       </a:ext>
                     </a:extLst>
                   </a:tr>
@@ -12115,7 +12115,7 @@
               <p:cNvPr id="11" name="コンテンツ プレースホルダー 2">
                 <a:extLst>
                   <a:ext uri="{FF2B5EF4-FFF2-40B4-BE49-F238E27FC236}">
-                    <a16:creationId xmlns:a16="http://schemas.microsoft.com/office/drawing/2014/main" xmlns="" id="{B5035165-3E53-4716-A97B-E96CA2516894}"/>
+                    <a16:creationId xmlns="" xmlns:a16="http://schemas.microsoft.com/office/drawing/2014/main" id="{B5035165-3E53-4716-A97B-E96CA2516894}"/>
                   </a:ext>
                 </a:extLst>
               </p:cNvPr>
@@ -13373,14 +13373,14 @@
                     <a:gridCol w="4169445">
                       <a:extLst>
                         <a:ext uri="{9D8B030D-6E8A-4147-A177-3AD203B41FA5}">
-                          <a16:colId xmlns:a16="http://schemas.microsoft.com/office/drawing/2014/main" xmlns="" val="20000"/>
+                          <a16:colId xmlns="" xmlns:a16="http://schemas.microsoft.com/office/drawing/2014/main" val="20000"/>
                         </a:ext>
                       </a:extLst>
                     </a:gridCol>
                     <a:gridCol w="4197315">
                       <a:extLst>
                         <a:ext uri="{9D8B030D-6E8A-4147-A177-3AD203B41FA5}">
-                          <a16:colId xmlns:a16="http://schemas.microsoft.com/office/drawing/2014/main" xmlns="" val="20001"/>
+                          <a16:colId xmlns="" xmlns:a16="http://schemas.microsoft.com/office/drawing/2014/main" val="20001"/>
                         </a:ext>
                       </a:extLst>
                     </a:gridCol>
@@ -13416,7 +13416,7 @@
                     </a:tc>
                     <a:extLst>
                       <a:ext uri="{0D108BD9-81ED-4DB2-BD59-A6C34878D82A}">
-                        <a16:rowId xmlns:a16="http://schemas.microsoft.com/office/drawing/2014/main" xmlns="" val="10000"/>
+                        <a16:rowId xmlns="" xmlns:a16="http://schemas.microsoft.com/office/drawing/2014/main" val="10000"/>
                       </a:ext>
                     </a:extLst>
                   </a:tr>
@@ -13716,7 +13716,7 @@
                     </a:tc>
                     <a:extLst>
                       <a:ext uri="{0D108BD9-81ED-4DB2-BD59-A6C34878D82A}">
-                        <a16:rowId xmlns:a16="http://schemas.microsoft.com/office/drawing/2014/main" xmlns="" val="10001"/>
+                        <a16:rowId xmlns="" xmlns:a16="http://schemas.microsoft.com/office/drawing/2014/main" val="10001"/>
                       </a:ext>
                     </a:extLst>
                   </a:tr>
@@ -26003,6 +26003,312 @@
           </a:fontRef>
         </p:style>
       </p:cxnSp>
+      <p:sp>
+        <p:nvSpPr>
+          <p:cNvPr id="185" name="左中かっこ 184">
+            <a:extLst>
+              <a:ext uri="{FF2B5EF4-FFF2-40B4-BE49-F238E27FC236}">
+                <a16:creationId xmlns:a16="http://schemas.microsoft.com/office/drawing/2014/main" xmlns="" id="{7484E61E-C510-4FF0-978A-471330A22C3C}"/>
+              </a:ext>
+            </a:extLst>
+          </p:cNvPr>
+          <p:cNvSpPr/>
+          <p:nvPr/>
+        </p:nvSpPr>
+        <p:spPr>
+          <a:xfrm rot="16200000" flipH="1" flipV="1">
+            <a:off x="1802084" y="15937"/>
+            <a:ext cx="289561" cy="2405456"/>
+          </a:xfrm>
+          <a:prstGeom prst="leftBrace">
+            <a:avLst>
+              <a:gd name="adj1" fmla="val 10925"/>
+              <a:gd name="adj2" fmla="val 50000"/>
+            </a:avLst>
+          </a:prstGeom>
+          <a:effectLst/>
+          <a:scene3d>
+            <a:camera prst="orthographicFront">
+              <a:rot lat="0" lon="0" rev="0"/>
+            </a:camera>
+            <a:lightRig rig="twoPt" dir="t">
+              <a:rot lat="0" lon="0" rev="4800000"/>
+            </a:lightRig>
+          </a:scene3d>
+          <a:sp3d prstMaterial="matte"/>
+        </p:spPr>
+        <p:style>
+          <a:lnRef idx="3">
+            <a:schemeClr val="dk1"/>
+          </a:lnRef>
+          <a:fillRef idx="0">
+            <a:schemeClr val="dk1"/>
+          </a:fillRef>
+          <a:effectRef idx="2">
+            <a:schemeClr val="dk1"/>
+          </a:effectRef>
+          <a:fontRef idx="minor">
+            <a:schemeClr val="tx1"/>
+          </a:fontRef>
+        </p:style>
+        <p:txBody>
+          <a:bodyPr rtlCol="0" anchor="ctr"/>
+          <a:lstStyle/>
+          <a:p>
+            <a:pPr algn="ctr"/>
+            <a:endParaRPr lang="ja-JP" altLang="en-US" sz="1350"/>
+          </a:p>
+        </p:txBody>
+      </p:sp>
+      <mc:AlternateContent xmlns:mc="http://schemas.openxmlformats.org/markup-compatibility/2006">
+        <mc:Choice xmlns:a14="http://schemas.microsoft.com/office/drawing/2010/main" Requires="a14">
+          <p:sp>
+            <p:nvSpPr>
+              <p:cNvPr id="186" name="テキスト ボックス 185"/>
+              <p:cNvSpPr txBox="1"/>
+              <p:nvPr/>
+            </p:nvSpPr>
+            <p:spPr>
+              <a:xfrm>
+                <a:off x="1250921" y="695553"/>
+                <a:ext cx="1314100" cy="400110"/>
+              </a:xfrm>
+              <a:prstGeom prst="rect">
+                <a:avLst/>
+              </a:prstGeom>
+              <a:noFill/>
+            </p:spPr>
+            <p:txBody>
+              <a:bodyPr wrap="square" rtlCol="0">
+                <a:spAutoFit/>
+              </a:bodyPr>
+              <a:lstStyle/>
+              <a:p>
+                <a:pPr/>
+                <a14:m>
+                  <m:oMathPara xmlns:m="http://schemas.openxmlformats.org/officeDocument/2006/math">
+                    <m:oMathParaPr>
+                      <m:jc m:val="centerGroup"/>
+                    </m:oMathParaPr>
+                    <m:oMath xmlns:m="http://schemas.openxmlformats.org/officeDocument/2006/math">
+                      <m:r>
+                        <a:rPr lang="en-US" altLang="ja-JP" sz="2000" b="0" i="1" dirty="0" smtClean="0">
+                          <a:latin typeface="Cambria Math" panose="02040503050406030204" pitchFamily="18" charset="0"/>
+                        </a:rPr>
+                        <m:t>2</m:t>
+                      </m:r>
+                      <m:r>
+                        <a:rPr lang="en-US" altLang="ja-JP" sz="2000" b="0" i="1" dirty="0" smtClean="0">
+                          <a:latin typeface="Cambria Math" panose="02040503050406030204" pitchFamily="18" charset="0"/>
+                        </a:rPr>
+                        <m:t>𝑛</m:t>
+                      </m:r>
+                      <m:r>
+                        <a:rPr lang="en-US" altLang="ja-JP" sz="2000" b="0" i="1" dirty="0" smtClean="0">
+                          <a:latin typeface="Cambria Math" panose="02040503050406030204" pitchFamily="18" charset="0"/>
+                        </a:rPr>
+                        <m:t>−1</m:t>
+                      </m:r>
+                    </m:oMath>
+                  </m:oMathPara>
+                </a14:m>
+                <a:endParaRPr lang="ja-JP" altLang="en-US" sz="2000" dirty="0"/>
+              </a:p>
+            </p:txBody>
+          </p:sp>
+        </mc:Choice>
+        <mc:Fallback>
+          <p:sp>
+            <p:nvSpPr>
+              <p:cNvPr id="186" name="テキスト ボックス 185"/>
+              <p:cNvSpPr txBox="1">
+                <a:spLocks noRot="1" noChangeAspect="1" noMove="1" noResize="1" noEditPoints="1" noAdjustHandles="1" noChangeArrowheads="1" noChangeShapeType="1" noTextEdit="1"/>
+              </p:cNvSpPr>
+              <p:nvPr/>
+            </p:nvSpPr>
+            <p:spPr>
+              <a:xfrm>
+                <a:off x="1250921" y="695553"/>
+                <a:ext cx="1314100" cy="400110"/>
+              </a:xfrm>
+              <a:prstGeom prst="rect">
+                <a:avLst/>
+              </a:prstGeom>
+              <a:blipFill rotWithShape="0">
+                <a:blip r:embed="rId2"/>
+                <a:stretch>
+                  <a:fillRect/>
+                </a:stretch>
+              </a:blipFill>
+            </p:spPr>
+            <p:txBody>
+              <a:bodyPr/>
+              <a:lstStyle/>
+              <a:p>
+                <a:r>
+                  <a:rPr lang="ja-JP" altLang="en-US">
+                    <a:noFill/>
+                  </a:rPr>
+                  <a:t> </a:t>
+                </a:r>
+              </a:p>
+            </p:txBody>
+          </p:sp>
+        </mc:Fallback>
+      </mc:AlternateContent>
+      <p:sp>
+        <p:nvSpPr>
+          <p:cNvPr id="236" name="左中かっこ 235">
+            <a:extLst>
+              <a:ext uri="{FF2B5EF4-FFF2-40B4-BE49-F238E27FC236}">
+                <a16:creationId xmlns:a16="http://schemas.microsoft.com/office/drawing/2014/main" xmlns="" id="{7484E61E-C510-4FF0-978A-471330A22C3C}"/>
+              </a:ext>
+            </a:extLst>
+          </p:cNvPr>
+          <p:cNvSpPr/>
+          <p:nvPr/>
+        </p:nvSpPr>
+        <p:spPr>
+          <a:xfrm rot="16200000" flipH="1" flipV="1">
+            <a:off x="6428621" y="-196237"/>
+            <a:ext cx="289561" cy="2629567"/>
+          </a:xfrm>
+          <a:prstGeom prst="leftBrace">
+            <a:avLst>
+              <a:gd name="adj1" fmla="val 10925"/>
+              <a:gd name="adj2" fmla="val 50000"/>
+            </a:avLst>
+          </a:prstGeom>
+          <a:effectLst/>
+          <a:scene3d>
+            <a:camera prst="orthographicFront">
+              <a:rot lat="0" lon="0" rev="0"/>
+            </a:camera>
+            <a:lightRig rig="twoPt" dir="t">
+              <a:rot lat="0" lon="0" rev="4800000"/>
+            </a:lightRig>
+          </a:scene3d>
+          <a:sp3d prstMaterial="matte"/>
+        </p:spPr>
+        <p:style>
+          <a:lnRef idx="3">
+            <a:schemeClr val="dk1"/>
+          </a:lnRef>
+          <a:fillRef idx="0">
+            <a:schemeClr val="dk1"/>
+          </a:fillRef>
+          <a:effectRef idx="2">
+            <a:schemeClr val="dk1"/>
+          </a:effectRef>
+          <a:fontRef idx="minor">
+            <a:schemeClr val="tx1"/>
+          </a:fontRef>
+        </p:style>
+        <p:txBody>
+          <a:bodyPr rtlCol="0" anchor="ctr"/>
+          <a:lstStyle/>
+          <a:p>
+            <a:pPr algn="ctr"/>
+            <a:endParaRPr lang="ja-JP" altLang="en-US" sz="1350"/>
+          </a:p>
+        </p:txBody>
+      </p:sp>
+      <mc:AlternateContent xmlns:mc="http://schemas.openxmlformats.org/markup-compatibility/2006">
+        <mc:Choice xmlns:a14="http://schemas.microsoft.com/office/drawing/2010/main" Requires="a14">
+          <p:sp>
+            <p:nvSpPr>
+              <p:cNvPr id="238" name="テキスト ボックス 237"/>
+              <p:cNvSpPr txBox="1"/>
+              <p:nvPr/>
+            </p:nvSpPr>
+            <p:spPr>
+              <a:xfrm>
+                <a:off x="5809856" y="665332"/>
+                <a:ext cx="1436531" cy="400110"/>
+              </a:xfrm>
+              <a:prstGeom prst="rect">
+                <a:avLst/>
+              </a:prstGeom>
+              <a:noFill/>
+            </p:spPr>
+            <p:txBody>
+              <a:bodyPr wrap="square" rtlCol="0">
+                <a:spAutoFit/>
+              </a:bodyPr>
+              <a:lstStyle/>
+              <a:p>
+                <a:pPr/>
+                <a14:m>
+                  <m:oMathPara xmlns:m="http://schemas.openxmlformats.org/officeDocument/2006/math">
+                    <m:oMathParaPr>
+                      <m:jc m:val="centerGroup"/>
+                    </m:oMathParaPr>
+                    <m:oMath xmlns:m="http://schemas.openxmlformats.org/officeDocument/2006/math">
+                      <m:r>
+                        <a:rPr lang="en-US" altLang="ja-JP" sz="2000" b="0" i="1" dirty="0" smtClean="0">
+                          <a:latin typeface="Cambria Math" panose="02040503050406030204" pitchFamily="18" charset="0"/>
+                        </a:rPr>
+                        <m:t>3</m:t>
+                      </m:r>
+                      <m:r>
+                        <a:rPr lang="en-US" altLang="ja-JP" sz="2000" b="0" i="1" dirty="0" smtClean="0">
+                          <a:latin typeface="Cambria Math" panose="02040503050406030204" pitchFamily="18" charset="0"/>
+                        </a:rPr>
+                        <m:t>𝑡</m:t>
+                      </m:r>
+                      <m:r>
+                        <a:rPr lang="en-US" altLang="ja-JP" sz="2000" b="0" i="1" dirty="0" smtClean="0">
+                          <a:latin typeface="Cambria Math" panose="02040503050406030204" pitchFamily="18" charset="0"/>
+                        </a:rPr>
+                        <m:t>−1</m:t>
+                      </m:r>
+                    </m:oMath>
+                  </m:oMathPara>
+                </a14:m>
+                <a:endParaRPr lang="ja-JP" altLang="en-US" sz="2000" dirty="0"/>
+              </a:p>
+            </p:txBody>
+          </p:sp>
+        </mc:Choice>
+        <mc:Fallback>
+          <p:sp>
+            <p:nvSpPr>
+              <p:cNvPr id="238" name="テキスト ボックス 237"/>
+              <p:cNvSpPr txBox="1">
+                <a:spLocks noRot="1" noChangeAspect="1" noMove="1" noResize="1" noEditPoints="1" noAdjustHandles="1" noChangeArrowheads="1" noChangeShapeType="1" noTextEdit="1"/>
+              </p:cNvSpPr>
+              <p:nvPr/>
+            </p:nvSpPr>
+            <p:spPr>
+              <a:xfrm>
+                <a:off x="5809856" y="665332"/>
+                <a:ext cx="1436531" cy="400110"/>
+              </a:xfrm>
+              <a:prstGeom prst="rect">
+                <a:avLst/>
+              </a:prstGeom>
+              <a:blipFill rotWithShape="0">
+                <a:blip r:embed="rId3"/>
+                <a:stretch>
+                  <a:fillRect/>
+                </a:stretch>
+              </a:blipFill>
+            </p:spPr>
+            <p:txBody>
+              <a:bodyPr/>
+              <a:lstStyle/>
+              <a:p>
+                <a:r>
+                  <a:rPr lang="ja-JP" altLang="en-US">
+                    <a:noFill/>
+                  </a:rPr>
+                  <a:t> </a:t>
+                </a:r>
+              </a:p>
+            </p:txBody>
+          </p:sp>
+        </mc:Fallback>
+      </mc:AlternateContent>
     </p:spTree>
     <p:extLst>
       <p:ext uri="{BB962C8B-B14F-4D97-AF65-F5344CB8AC3E}">
@@ -26045,7 +26351,7 @@
           <p:cNvPr id="2" name="タイトル 1">
             <a:extLst>
               <a:ext uri="{FF2B5EF4-FFF2-40B4-BE49-F238E27FC236}">
-                <a16:creationId xmlns:a16="http://schemas.microsoft.com/office/drawing/2014/main" xmlns="" id="{FD4F6492-A51F-4C63-AFD4-2658EC392FB2}"/>
+                <a16:creationId xmlns="" xmlns:a16="http://schemas.microsoft.com/office/drawing/2014/main" id="{FD4F6492-A51F-4C63-AFD4-2658EC392FB2}"/>
               </a:ext>
             </a:extLst>
           </p:cNvPr>
@@ -26077,7 +26383,7 @@
           <p:cNvPr id="4" name="スライド番号プレースホルダー 3">
             <a:extLst>
               <a:ext uri="{FF2B5EF4-FFF2-40B4-BE49-F238E27FC236}">
-                <a16:creationId xmlns:a16="http://schemas.microsoft.com/office/drawing/2014/main" xmlns="" id="{333BC96F-3A99-41E3-BD58-A80E575D3F95}"/>
+                <a16:creationId xmlns="" xmlns:a16="http://schemas.microsoft.com/office/drawing/2014/main" id="{333BC96F-3A99-41E3-BD58-A80E575D3F95}"/>
               </a:ext>
             </a:extLst>
           </p:cNvPr>
@@ -26109,7 +26415,7 @@
               <p:cNvPr id="5" name="コンテンツ プレースホルダー 4">
                 <a:extLst>
                   <a:ext uri="{FF2B5EF4-FFF2-40B4-BE49-F238E27FC236}">
-                    <a16:creationId xmlns:a16="http://schemas.microsoft.com/office/drawing/2014/main" xmlns="" id="{1C69B798-EB63-4861-A7FD-6D2A9E4B3BBB}"/>
+                    <a16:creationId xmlns="" xmlns:a16="http://schemas.microsoft.com/office/drawing/2014/main" id="{1C69B798-EB63-4861-A7FD-6D2A9E4B3BBB}"/>
                   </a:ext>
                 </a:extLst>
               </p:cNvPr>
@@ -26138,21 +26444,21 @@
                     <a:gridCol w="2923242">
                       <a:extLst>
                         <a:ext uri="{9D8B030D-6E8A-4147-A177-3AD203B41FA5}">
-                          <a16:colId xmlns:a16="http://schemas.microsoft.com/office/drawing/2014/main" xmlns="" val="20000"/>
+                          <a16:colId xmlns="" xmlns:a16="http://schemas.microsoft.com/office/drawing/2014/main" val="20000"/>
                         </a:ext>
                       </a:extLst>
                     </a:gridCol>
                     <a:gridCol w="1597344">
                       <a:extLst>
                         <a:ext uri="{9D8B030D-6E8A-4147-A177-3AD203B41FA5}">
-                          <a16:colId xmlns:a16="http://schemas.microsoft.com/office/drawing/2014/main" xmlns="" val="20001"/>
+                          <a16:colId xmlns="" xmlns:a16="http://schemas.microsoft.com/office/drawing/2014/main" val="20001"/>
                         </a:ext>
                       </a:extLst>
                     </a:gridCol>
                     <a:gridCol w="3206798">
                       <a:extLst>
                         <a:ext uri="{9D8B030D-6E8A-4147-A177-3AD203B41FA5}">
-                          <a16:colId xmlns:a16="http://schemas.microsoft.com/office/drawing/2014/main" xmlns="" val="20002"/>
+                          <a16:colId xmlns="" xmlns:a16="http://schemas.microsoft.com/office/drawing/2014/main" val="20002"/>
                         </a:ext>
                       </a:extLst>
                     </a:gridCol>
@@ -26202,7 +26508,7 @@
                     </a:tc>
                     <a:extLst>
                       <a:ext uri="{0D108BD9-81ED-4DB2-BD59-A6C34878D82A}">
-                        <a16:rowId xmlns:a16="http://schemas.microsoft.com/office/drawing/2014/main" xmlns="" val="10000"/>
+                        <a16:rowId xmlns="" xmlns:a16="http://schemas.microsoft.com/office/drawing/2014/main" val="10000"/>
                       </a:ext>
                     </a:extLst>
                   </a:tr>
@@ -26299,7 +26605,7 @@
                     </a:tc>
                     <a:extLst>
                       <a:ext uri="{0D108BD9-81ED-4DB2-BD59-A6C34878D82A}">
-                        <a16:rowId xmlns:a16="http://schemas.microsoft.com/office/drawing/2014/main" xmlns="" val="10001"/>
+                        <a16:rowId xmlns="" xmlns:a16="http://schemas.microsoft.com/office/drawing/2014/main" val="10001"/>
                       </a:ext>
                     </a:extLst>
                   </a:tr>
@@ -26369,7 +26675,7 @@
                     </a:tc>
                     <a:extLst>
                       <a:ext uri="{0D108BD9-81ED-4DB2-BD59-A6C34878D82A}">
-                        <a16:rowId xmlns:a16="http://schemas.microsoft.com/office/drawing/2014/main" xmlns="" val="10002"/>
+                        <a16:rowId xmlns="" xmlns:a16="http://schemas.microsoft.com/office/drawing/2014/main" val="10002"/>
                       </a:ext>
                     </a:extLst>
                   </a:tr>
@@ -26427,7 +26733,7 @@
                     </a:tc>
                     <a:extLst>
                       <a:ext uri="{0D108BD9-81ED-4DB2-BD59-A6C34878D82A}">
-                        <a16:rowId xmlns:a16="http://schemas.microsoft.com/office/drawing/2014/main" xmlns="" val="10003"/>
+                        <a16:rowId xmlns="" xmlns:a16="http://schemas.microsoft.com/office/drawing/2014/main" val="10003"/>
                       </a:ext>
                     </a:extLst>
                   </a:tr>
@@ -26542,7 +26848,7 @@
                     </a:tc>
                     <a:extLst>
                       <a:ext uri="{0D108BD9-81ED-4DB2-BD59-A6C34878D82A}">
-                        <a16:rowId xmlns:a16="http://schemas.microsoft.com/office/drawing/2014/main" xmlns="" val="10004"/>
+                        <a16:rowId xmlns="" xmlns:a16="http://schemas.microsoft.com/office/drawing/2014/main" val="10004"/>
                       </a:ext>
                     </a:extLst>
                   </a:tr>
@@ -26665,7 +26971,7 @@
                     </a:tc>
                     <a:extLst>
                       <a:ext uri="{0D108BD9-81ED-4DB2-BD59-A6C34878D82A}">
-                        <a16:rowId xmlns:a16="http://schemas.microsoft.com/office/drawing/2014/main" xmlns="" val="1921047448"/>
+                        <a16:rowId xmlns="" xmlns:a16="http://schemas.microsoft.com/office/drawing/2014/main" val="1921047448"/>
                       </a:ext>
                     </a:extLst>
                   </a:tr>
@@ -29458,7 +29764,7 @@
           <p:cNvPr id="7" name="正方形/長方形 6">
             <a:extLst>
               <a:ext uri="{FF2B5EF4-FFF2-40B4-BE49-F238E27FC236}">
-                <a16:creationId xmlns:a16="http://schemas.microsoft.com/office/drawing/2014/main" xmlns="" id="{E52A2A91-F2E4-4C25-BE3D-3CEED0AE96E6}"/>
+                <a16:creationId xmlns="" xmlns:a16="http://schemas.microsoft.com/office/drawing/2014/main" id="{E52A2A91-F2E4-4C25-BE3D-3CEED0AE96E6}"/>
               </a:ext>
             </a:extLst>
           </p:cNvPr>
@@ -29509,7 +29815,7 @@
           <p:cNvPr id="8" name="正方形/長方形 7">
             <a:extLst>
               <a:ext uri="{FF2B5EF4-FFF2-40B4-BE49-F238E27FC236}">
-                <a16:creationId xmlns:a16="http://schemas.microsoft.com/office/drawing/2014/main" xmlns="" id="{F1F4C1C1-5F6E-448B-B7EE-EFBEBC231B7E}"/>
+                <a16:creationId xmlns="" xmlns:a16="http://schemas.microsoft.com/office/drawing/2014/main" id="{F1F4C1C1-5F6E-448B-B7EE-EFBEBC231B7E}"/>
               </a:ext>
             </a:extLst>
           </p:cNvPr>
@@ -29563,7 +29869,7 @@
           <p:cNvPr id="9" name="正方形/長方形 8">
             <a:extLst>
               <a:ext uri="{FF2B5EF4-FFF2-40B4-BE49-F238E27FC236}">
-                <a16:creationId xmlns:a16="http://schemas.microsoft.com/office/drawing/2014/main" xmlns="" id="{0C73E164-3AF6-48F4-B403-D0BD51A991D8}"/>
+                <a16:creationId xmlns="" xmlns:a16="http://schemas.microsoft.com/office/drawing/2014/main" id="{0C73E164-3AF6-48F4-B403-D0BD51A991D8}"/>
               </a:ext>
             </a:extLst>
           </p:cNvPr>
@@ -29617,7 +29923,7 @@
           <p:cNvPr id="10" name="正方形/長方形 9">
             <a:extLst>
               <a:ext uri="{FF2B5EF4-FFF2-40B4-BE49-F238E27FC236}">
-                <a16:creationId xmlns:a16="http://schemas.microsoft.com/office/drawing/2014/main" xmlns="" id="{49A9CF3F-001A-44E4-A0D5-F3083015702D}"/>
+                <a16:creationId xmlns="" xmlns:a16="http://schemas.microsoft.com/office/drawing/2014/main" id="{49A9CF3F-001A-44E4-A0D5-F3083015702D}"/>
               </a:ext>
             </a:extLst>
           </p:cNvPr>
@@ -29671,7 +29977,7 @@
           <p:cNvPr id="11" name="正方形/長方形 10">
             <a:extLst>
               <a:ext uri="{FF2B5EF4-FFF2-40B4-BE49-F238E27FC236}">
-                <a16:creationId xmlns:a16="http://schemas.microsoft.com/office/drawing/2014/main" xmlns="" id="{0E69A3C6-A450-4CFA-90F9-2540F63704D0}"/>
+                <a16:creationId xmlns="" xmlns:a16="http://schemas.microsoft.com/office/drawing/2014/main" id="{0E69A3C6-A450-4CFA-90F9-2540F63704D0}"/>
               </a:ext>
             </a:extLst>
           </p:cNvPr>
@@ -29722,7 +30028,7 @@
           <p:cNvPr id="12" name="正方形/長方形 11">
             <a:extLst>
               <a:ext uri="{FF2B5EF4-FFF2-40B4-BE49-F238E27FC236}">
-                <a16:creationId xmlns:a16="http://schemas.microsoft.com/office/drawing/2014/main" xmlns="" id="{2033D3C0-4F22-485E-843B-29C143E7EAF9}"/>
+                <a16:creationId xmlns="" xmlns:a16="http://schemas.microsoft.com/office/drawing/2014/main" id="{2033D3C0-4F22-485E-843B-29C143E7EAF9}"/>
               </a:ext>
             </a:extLst>
           </p:cNvPr>
@@ -29776,7 +30082,7 @@
           <p:cNvPr id="13" name="正方形/長方形 12">
             <a:extLst>
               <a:ext uri="{FF2B5EF4-FFF2-40B4-BE49-F238E27FC236}">
-                <a16:creationId xmlns:a16="http://schemas.microsoft.com/office/drawing/2014/main" xmlns="" id="{1EA4FFE1-D385-424C-BF24-3FB21712A817}"/>
+                <a16:creationId xmlns="" xmlns:a16="http://schemas.microsoft.com/office/drawing/2014/main" id="{1EA4FFE1-D385-424C-BF24-3FB21712A817}"/>
               </a:ext>
             </a:extLst>
           </p:cNvPr>
@@ -29830,7 +30136,7 @@
           <p:cNvPr id="14" name="正方形/長方形 13">
             <a:extLst>
               <a:ext uri="{FF2B5EF4-FFF2-40B4-BE49-F238E27FC236}">
-                <a16:creationId xmlns:a16="http://schemas.microsoft.com/office/drawing/2014/main" xmlns="" id="{C4A28C8D-7AB7-422C-AAC8-F3C3DBCD2951}"/>
+                <a16:creationId xmlns="" xmlns:a16="http://schemas.microsoft.com/office/drawing/2014/main" id="{C4A28C8D-7AB7-422C-AAC8-F3C3DBCD2951}"/>
               </a:ext>
             </a:extLst>
           </p:cNvPr>
@@ -29884,7 +30190,7 @@
           <p:cNvPr id="15" name="正方形/長方形 14">
             <a:extLst>
               <a:ext uri="{FF2B5EF4-FFF2-40B4-BE49-F238E27FC236}">
-                <a16:creationId xmlns:a16="http://schemas.microsoft.com/office/drawing/2014/main" xmlns="" id="{7345D005-62F6-4471-8564-7C7B25DB3D83}"/>
+                <a16:creationId xmlns="" xmlns:a16="http://schemas.microsoft.com/office/drawing/2014/main" id="{7345D005-62F6-4471-8564-7C7B25DB3D83}"/>
               </a:ext>
             </a:extLst>
           </p:cNvPr>
@@ -29938,7 +30244,7 @@
           <p:cNvPr id="16" name="正方形/長方形 15">
             <a:extLst>
               <a:ext uri="{FF2B5EF4-FFF2-40B4-BE49-F238E27FC236}">
-                <a16:creationId xmlns:a16="http://schemas.microsoft.com/office/drawing/2014/main" xmlns="" id="{786E099D-89C3-4281-95EA-A80F4F3EF05C}"/>
+                <a16:creationId xmlns="" xmlns:a16="http://schemas.microsoft.com/office/drawing/2014/main" id="{786E099D-89C3-4281-95EA-A80F4F3EF05C}"/>
               </a:ext>
             </a:extLst>
           </p:cNvPr>
@@ -29992,7 +30298,7 @@
           <p:cNvPr id="17" name="正方形/長方形 16">
             <a:extLst>
               <a:ext uri="{FF2B5EF4-FFF2-40B4-BE49-F238E27FC236}">
-                <a16:creationId xmlns:a16="http://schemas.microsoft.com/office/drawing/2014/main" xmlns="" id="{A182A8B8-6808-4B50-BB5F-7B1E015E8E3E}"/>
+                <a16:creationId xmlns="" xmlns:a16="http://schemas.microsoft.com/office/drawing/2014/main" id="{A182A8B8-6808-4B50-BB5F-7B1E015E8E3E}"/>
               </a:ext>
             </a:extLst>
           </p:cNvPr>
@@ -30043,7 +30349,7 @@
           <p:cNvPr id="18" name="正方形/長方形 17">
             <a:extLst>
               <a:ext uri="{FF2B5EF4-FFF2-40B4-BE49-F238E27FC236}">
-                <a16:creationId xmlns:a16="http://schemas.microsoft.com/office/drawing/2014/main" xmlns="" id="{7DB09B4B-0A56-45EB-B5B0-1D244B559542}"/>
+                <a16:creationId xmlns="" xmlns:a16="http://schemas.microsoft.com/office/drawing/2014/main" id="{7DB09B4B-0A56-45EB-B5B0-1D244B559542}"/>
               </a:ext>
             </a:extLst>
           </p:cNvPr>
@@ -30097,7 +30403,7 @@
           <p:cNvPr id="19" name="フローチャート: 代替処理 18">
             <a:extLst>
               <a:ext uri="{FF2B5EF4-FFF2-40B4-BE49-F238E27FC236}">
-                <a16:creationId xmlns:a16="http://schemas.microsoft.com/office/drawing/2014/main" xmlns="" id="{30F5A3A9-4878-4213-B369-08128BE782FF}"/>
+                <a16:creationId xmlns="" xmlns:a16="http://schemas.microsoft.com/office/drawing/2014/main" id="{30F5A3A9-4878-4213-B369-08128BE782FF}"/>
               </a:ext>
             </a:extLst>
           </p:cNvPr>
@@ -30151,7 +30457,7 @@
           <p:cNvPr id="20" name="フローチャート: 代替処理 19">
             <a:extLst>
               <a:ext uri="{FF2B5EF4-FFF2-40B4-BE49-F238E27FC236}">
-                <a16:creationId xmlns:a16="http://schemas.microsoft.com/office/drawing/2014/main" xmlns="" id="{4C800B90-0788-4DEE-AB8F-47498D0F11E0}"/>
+                <a16:creationId xmlns="" xmlns:a16="http://schemas.microsoft.com/office/drawing/2014/main" id="{4C800B90-0788-4DEE-AB8F-47498D0F11E0}"/>
               </a:ext>
             </a:extLst>
           </p:cNvPr>
@@ -30205,7 +30511,7 @@
           <p:cNvPr id="24" name="フリーフォーム: 図形 23">
             <a:extLst>
               <a:ext uri="{FF2B5EF4-FFF2-40B4-BE49-F238E27FC236}">
-                <a16:creationId xmlns:a16="http://schemas.microsoft.com/office/drawing/2014/main" xmlns="" id="{6EA98B6F-A5CC-4785-B540-B56ECFA2F555}"/>
+                <a16:creationId xmlns="" xmlns:a16="http://schemas.microsoft.com/office/drawing/2014/main" id="{6EA98B6F-A5CC-4785-B540-B56ECFA2F555}"/>
               </a:ext>
             </a:extLst>
           </p:cNvPr>
@@ -30410,7 +30716,7 @@
           <p:cNvPr id="27" name="フリーフォーム: 図形 26">
             <a:extLst>
               <a:ext uri="{FF2B5EF4-FFF2-40B4-BE49-F238E27FC236}">
-                <a16:creationId xmlns:a16="http://schemas.microsoft.com/office/drawing/2014/main" xmlns="" id="{2405107F-C344-4D84-B07F-8B27924967D4}"/>
+                <a16:creationId xmlns="" xmlns:a16="http://schemas.microsoft.com/office/drawing/2014/main" id="{2405107F-C344-4D84-B07F-8B27924967D4}"/>
               </a:ext>
             </a:extLst>
           </p:cNvPr>
@@ -30863,7 +31169,7 @@
           <p:cNvPr id="30" name="フローチャート: 代替処理 29">
             <a:extLst>
               <a:ext uri="{FF2B5EF4-FFF2-40B4-BE49-F238E27FC236}">
-                <a16:creationId xmlns:a16="http://schemas.microsoft.com/office/drawing/2014/main" xmlns="" id="{30F5A3A9-4878-4213-B369-08128BE782FF}"/>
+                <a16:creationId xmlns="" xmlns:a16="http://schemas.microsoft.com/office/drawing/2014/main" id="{30F5A3A9-4878-4213-B369-08128BE782FF}"/>
               </a:ext>
             </a:extLst>
           </p:cNvPr>
@@ -30917,7 +31223,7 @@
           <p:cNvPr id="22" name="テキスト ボックス 21">
             <a:extLst>
               <a:ext uri="{FF2B5EF4-FFF2-40B4-BE49-F238E27FC236}">
-                <a16:creationId xmlns:a16="http://schemas.microsoft.com/office/drawing/2014/main" xmlns="" id="{F13ED5BD-DFEF-4AE2-A6EC-433E471BA049}"/>
+                <a16:creationId xmlns="" xmlns:a16="http://schemas.microsoft.com/office/drawing/2014/main" id="{F13ED5BD-DFEF-4AE2-A6EC-433E471BA049}"/>
               </a:ext>
             </a:extLst>
           </p:cNvPr>
@@ -33061,7 +33367,7 @@
           <p:cNvPr id="8" name="正方形/長方形 7">
             <a:extLst>
               <a:ext uri="{FF2B5EF4-FFF2-40B4-BE49-F238E27FC236}">
-                <a16:creationId xmlns:a16="http://schemas.microsoft.com/office/drawing/2014/main" xmlns="" id="{403471C3-EE28-47A4-91CE-E5B9DD16D970}"/>
+                <a16:creationId xmlns="" xmlns:a16="http://schemas.microsoft.com/office/drawing/2014/main" id="{403471C3-EE28-47A4-91CE-E5B9DD16D970}"/>
               </a:ext>
             </a:extLst>
           </p:cNvPr>
@@ -33115,7 +33421,7 @@
           <p:cNvPr id="9" name="正方形/長方形 8">
             <a:extLst>
               <a:ext uri="{FF2B5EF4-FFF2-40B4-BE49-F238E27FC236}">
-                <a16:creationId xmlns:a16="http://schemas.microsoft.com/office/drawing/2014/main" xmlns="" id="{D4583559-8246-4D47-8698-E4302FC6CB03}"/>
+                <a16:creationId xmlns="" xmlns:a16="http://schemas.microsoft.com/office/drawing/2014/main" id="{D4583559-8246-4D47-8698-E4302FC6CB03}"/>
               </a:ext>
             </a:extLst>
           </p:cNvPr>
@@ -33169,7 +33475,7 @@
           <p:cNvPr id="10" name="正方形/長方形 9">
             <a:extLst>
               <a:ext uri="{FF2B5EF4-FFF2-40B4-BE49-F238E27FC236}">
-                <a16:creationId xmlns:a16="http://schemas.microsoft.com/office/drawing/2014/main" xmlns="" id="{73D92D25-2702-4780-AD55-5C092EA27366}"/>
+                <a16:creationId xmlns="" xmlns:a16="http://schemas.microsoft.com/office/drawing/2014/main" id="{73D92D25-2702-4780-AD55-5C092EA27366}"/>
               </a:ext>
             </a:extLst>
           </p:cNvPr>
@@ -33220,7 +33526,7 @@
           <p:cNvPr id="11" name="正方形/長方形 10">
             <a:extLst>
               <a:ext uri="{FF2B5EF4-FFF2-40B4-BE49-F238E27FC236}">
-                <a16:creationId xmlns:a16="http://schemas.microsoft.com/office/drawing/2014/main" xmlns="" id="{ECFAA7E5-2F5C-430D-B4CE-E49BDA50AE01}"/>
+                <a16:creationId xmlns="" xmlns:a16="http://schemas.microsoft.com/office/drawing/2014/main" id="{ECFAA7E5-2F5C-430D-B4CE-E49BDA50AE01}"/>
               </a:ext>
             </a:extLst>
           </p:cNvPr>
@@ -33274,7 +33580,7 @@
           <p:cNvPr id="12" name="正方形/長方形 11">
             <a:extLst>
               <a:ext uri="{FF2B5EF4-FFF2-40B4-BE49-F238E27FC236}">
-                <a16:creationId xmlns:a16="http://schemas.microsoft.com/office/drawing/2014/main" xmlns="" id="{6F71A11A-0546-4EF4-A281-30C87112E8E0}"/>
+                <a16:creationId xmlns="" xmlns:a16="http://schemas.microsoft.com/office/drawing/2014/main" id="{6F71A11A-0546-4EF4-A281-30C87112E8E0}"/>
               </a:ext>
             </a:extLst>
           </p:cNvPr>
@@ -33328,7 +33634,7 @@
           <p:cNvPr id="13" name="正方形/長方形 12">
             <a:extLst>
               <a:ext uri="{FF2B5EF4-FFF2-40B4-BE49-F238E27FC236}">
-                <a16:creationId xmlns:a16="http://schemas.microsoft.com/office/drawing/2014/main" xmlns="" id="{96734E08-3C7C-4F0C-925C-F86BC1442BDD}"/>
+                <a16:creationId xmlns="" xmlns:a16="http://schemas.microsoft.com/office/drawing/2014/main" id="{96734E08-3C7C-4F0C-925C-F86BC1442BDD}"/>
               </a:ext>
             </a:extLst>
           </p:cNvPr>
@@ -33382,7 +33688,7 @@
           <p:cNvPr id="14" name="正方形/長方形 13">
             <a:extLst>
               <a:ext uri="{FF2B5EF4-FFF2-40B4-BE49-F238E27FC236}">
-                <a16:creationId xmlns:a16="http://schemas.microsoft.com/office/drawing/2014/main" xmlns="" id="{E9B45711-EBB4-4C4C-BBBB-0FD330964757}"/>
+                <a16:creationId xmlns="" xmlns:a16="http://schemas.microsoft.com/office/drawing/2014/main" id="{E9B45711-EBB4-4C4C-BBBB-0FD330964757}"/>
               </a:ext>
             </a:extLst>
           </p:cNvPr>
@@ -33433,7 +33739,7 @@
           <p:cNvPr id="15" name="正方形/長方形 14">
             <a:extLst>
               <a:ext uri="{FF2B5EF4-FFF2-40B4-BE49-F238E27FC236}">
-                <a16:creationId xmlns:a16="http://schemas.microsoft.com/office/drawing/2014/main" xmlns="" id="{24D89E65-51EB-4198-B6C7-FDAF891583B9}"/>
+                <a16:creationId xmlns="" xmlns:a16="http://schemas.microsoft.com/office/drawing/2014/main" id="{24D89E65-51EB-4198-B6C7-FDAF891583B9}"/>
               </a:ext>
             </a:extLst>
           </p:cNvPr>
@@ -33487,7 +33793,7 @@
           <p:cNvPr id="16" name="正方形/長方形 15">
             <a:extLst>
               <a:ext uri="{FF2B5EF4-FFF2-40B4-BE49-F238E27FC236}">
-                <a16:creationId xmlns:a16="http://schemas.microsoft.com/office/drawing/2014/main" xmlns="" id="{7689586B-6CE2-4164-BF82-A9717332A424}"/>
+                <a16:creationId xmlns="" xmlns:a16="http://schemas.microsoft.com/office/drawing/2014/main" id="{7689586B-6CE2-4164-BF82-A9717332A424}"/>
               </a:ext>
             </a:extLst>
           </p:cNvPr>
@@ -33541,7 +33847,7 @@
           <p:cNvPr id="17" name="正方形/長方形 16">
             <a:extLst>
               <a:ext uri="{FF2B5EF4-FFF2-40B4-BE49-F238E27FC236}">
-                <a16:creationId xmlns:a16="http://schemas.microsoft.com/office/drawing/2014/main" xmlns="" id="{ED15DA40-951C-466C-876F-F6A24375EC23}"/>
+                <a16:creationId xmlns="" xmlns:a16="http://schemas.microsoft.com/office/drawing/2014/main" id="{ED15DA40-951C-466C-876F-F6A24375EC23}"/>
               </a:ext>
             </a:extLst>
           </p:cNvPr>
@@ -33595,7 +33901,7 @@
           <p:cNvPr id="18" name="正方形/長方形 17">
             <a:extLst>
               <a:ext uri="{FF2B5EF4-FFF2-40B4-BE49-F238E27FC236}">
-                <a16:creationId xmlns:a16="http://schemas.microsoft.com/office/drawing/2014/main" xmlns="" id="{8709E1CA-BAF9-4413-9D37-F31145C23123}"/>
+                <a16:creationId xmlns="" xmlns:a16="http://schemas.microsoft.com/office/drawing/2014/main" id="{8709E1CA-BAF9-4413-9D37-F31145C23123}"/>
               </a:ext>
             </a:extLst>
           </p:cNvPr>
@@ -33649,7 +33955,7 @@
           <p:cNvPr id="19" name="正方形/長方形 18">
             <a:extLst>
               <a:ext uri="{FF2B5EF4-FFF2-40B4-BE49-F238E27FC236}">
-                <a16:creationId xmlns:a16="http://schemas.microsoft.com/office/drawing/2014/main" xmlns="" id="{33BB8DC8-4FCB-41A4-81D7-507B85A88A87}"/>
+                <a16:creationId xmlns="" xmlns:a16="http://schemas.microsoft.com/office/drawing/2014/main" id="{33BB8DC8-4FCB-41A4-81D7-507B85A88A87}"/>
               </a:ext>
             </a:extLst>
           </p:cNvPr>
@@ -33703,7 +34009,7 @@
           <p:cNvPr id="20" name="正方形/長方形 19">
             <a:extLst>
               <a:ext uri="{FF2B5EF4-FFF2-40B4-BE49-F238E27FC236}">
-                <a16:creationId xmlns:a16="http://schemas.microsoft.com/office/drawing/2014/main" xmlns="" id="{0EB0669F-B9FA-4350-8F72-EEDD1369162B}"/>
+                <a16:creationId xmlns="" xmlns:a16="http://schemas.microsoft.com/office/drawing/2014/main" id="{0EB0669F-B9FA-4350-8F72-EEDD1369162B}"/>
               </a:ext>
             </a:extLst>
           </p:cNvPr>
@@ -33754,7 +34060,7 @@
           <p:cNvPr id="21" name="正方形/長方形 20">
             <a:extLst>
               <a:ext uri="{FF2B5EF4-FFF2-40B4-BE49-F238E27FC236}">
-                <a16:creationId xmlns:a16="http://schemas.microsoft.com/office/drawing/2014/main" xmlns="" id="{F4794462-131D-4DC1-B349-076D37CEB739}"/>
+                <a16:creationId xmlns="" xmlns:a16="http://schemas.microsoft.com/office/drawing/2014/main" id="{F4794462-131D-4DC1-B349-076D37CEB739}"/>
               </a:ext>
             </a:extLst>
           </p:cNvPr>
@@ -33808,7 +34114,7 @@
           <p:cNvPr id="22" name="正方形/長方形 21">
             <a:extLst>
               <a:ext uri="{FF2B5EF4-FFF2-40B4-BE49-F238E27FC236}">
-                <a16:creationId xmlns:a16="http://schemas.microsoft.com/office/drawing/2014/main" xmlns="" id="{838EAB2E-659B-4C76-83C9-03724A06FC77}"/>
+                <a16:creationId xmlns="" xmlns:a16="http://schemas.microsoft.com/office/drawing/2014/main" id="{838EAB2E-659B-4C76-83C9-03724A06FC77}"/>
               </a:ext>
             </a:extLst>
           </p:cNvPr>
@@ -33862,7 +34168,7 @@
           <p:cNvPr id="23" name="正方形/長方形 22">
             <a:extLst>
               <a:ext uri="{FF2B5EF4-FFF2-40B4-BE49-F238E27FC236}">
-                <a16:creationId xmlns:a16="http://schemas.microsoft.com/office/drawing/2014/main" xmlns="" id="{B5897F2D-AA67-4DC0-B471-37315EC3E49C}"/>
+                <a16:creationId xmlns="" xmlns:a16="http://schemas.microsoft.com/office/drawing/2014/main" id="{B5897F2D-AA67-4DC0-B471-37315EC3E49C}"/>
               </a:ext>
             </a:extLst>
           </p:cNvPr>
@@ -33916,7 +34222,7 @@
           <p:cNvPr id="24" name="正方形/長方形 23">
             <a:extLst>
               <a:ext uri="{FF2B5EF4-FFF2-40B4-BE49-F238E27FC236}">
-                <a16:creationId xmlns:a16="http://schemas.microsoft.com/office/drawing/2014/main" xmlns="" id="{B3FB86D3-71E7-47AF-9D90-DB31CD50AD74}"/>
+                <a16:creationId xmlns="" xmlns:a16="http://schemas.microsoft.com/office/drawing/2014/main" id="{B3FB86D3-71E7-47AF-9D90-DB31CD50AD74}"/>
               </a:ext>
             </a:extLst>
           </p:cNvPr>
@@ -33967,7 +34273,7 @@
           <p:cNvPr id="25" name="正方形/長方形 24">
             <a:extLst>
               <a:ext uri="{FF2B5EF4-FFF2-40B4-BE49-F238E27FC236}">
-                <a16:creationId xmlns:a16="http://schemas.microsoft.com/office/drawing/2014/main" xmlns="" id="{82777D0D-DD93-4FD8-ACF9-1A814352CC0C}"/>
+                <a16:creationId xmlns="" xmlns:a16="http://schemas.microsoft.com/office/drawing/2014/main" id="{82777D0D-DD93-4FD8-ACF9-1A814352CC0C}"/>
               </a:ext>
             </a:extLst>
           </p:cNvPr>
@@ -34021,7 +34327,7 @@
           <p:cNvPr id="26" name="正方形/長方形 25">
             <a:extLst>
               <a:ext uri="{FF2B5EF4-FFF2-40B4-BE49-F238E27FC236}">
-                <a16:creationId xmlns:a16="http://schemas.microsoft.com/office/drawing/2014/main" xmlns="" id="{1F583654-9953-452F-A5FF-71D33262E8C2}"/>
+                <a16:creationId xmlns="" xmlns:a16="http://schemas.microsoft.com/office/drawing/2014/main" id="{1F583654-9953-452F-A5FF-71D33262E8C2}"/>
               </a:ext>
             </a:extLst>
           </p:cNvPr>
@@ -34075,7 +34381,7 @@
           <p:cNvPr id="27" name="正方形/長方形 26">
             <a:extLst>
               <a:ext uri="{FF2B5EF4-FFF2-40B4-BE49-F238E27FC236}">
-                <a16:creationId xmlns:a16="http://schemas.microsoft.com/office/drawing/2014/main" xmlns="" id="{7D4A1116-22BE-4C4C-9FB6-62A7CC062973}"/>
+                <a16:creationId xmlns="" xmlns:a16="http://schemas.microsoft.com/office/drawing/2014/main" id="{7D4A1116-22BE-4C4C-9FB6-62A7CC062973}"/>
               </a:ext>
             </a:extLst>
           </p:cNvPr>
@@ -34129,7 +34435,7 @@
           <p:cNvPr id="28" name="正方形/長方形 27">
             <a:extLst>
               <a:ext uri="{FF2B5EF4-FFF2-40B4-BE49-F238E27FC236}">
-                <a16:creationId xmlns:a16="http://schemas.microsoft.com/office/drawing/2014/main" xmlns="" id="{B1129B66-2C0E-49EF-BC38-C123852D1024}"/>
+                <a16:creationId xmlns="" xmlns:a16="http://schemas.microsoft.com/office/drawing/2014/main" id="{B1129B66-2C0E-49EF-BC38-C123852D1024}"/>
               </a:ext>
             </a:extLst>
           </p:cNvPr>
@@ -34180,7 +34486,7 @@
           <p:cNvPr id="29" name="正方形/長方形 28">
             <a:extLst>
               <a:ext uri="{FF2B5EF4-FFF2-40B4-BE49-F238E27FC236}">
-                <a16:creationId xmlns:a16="http://schemas.microsoft.com/office/drawing/2014/main" xmlns="" id="{5363BD78-0A58-42BA-A451-E2649B92CA6F}"/>
+                <a16:creationId xmlns="" xmlns:a16="http://schemas.microsoft.com/office/drawing/2014/main" id="{5363BD78-0A58-42BA-A451-E2649B92CA6F}"/>
               </a:ext>
             </a:extLst>
           </p:cNvPr>
@@ -34234,7 +34540,7 @@
           <p:cNvPr id="30" name="正方形/長方形 29">
             <a:extLst>
               <a:ext uri="{FF2B5EF4-FFF2-40B4-BE49-F238E27FC236}">
-                <a16:creationId xmlns:a16="http://schemas.microsoft.com/office/drawing/2014/main" xmlns="" id="{6B4A560A-5122-4373-9AB3-1DEFE6D8E109}"/>
+                <a16:creationId xmlns="" xmlns:a16="http://schemas.microsoft.com/office/drawing/2014/main" id="{6B4A560A-5122-4373-9AB3-1DEFE6D8E109}"/>
               </a:ext>
             </a:extLst>
           </p:cNvPr>
@@ -34288,7 +34594,7 @@
           <p:cNvPr id="31" name="正方形/長方形 30">
             <a:extLst>
               <a:ext uri="{FF2B5EF4-FFF2-40B4-BE49-F238E27FC236}">
-                <a16:creationId xmlns:a16="http://schemas.microsoft.com/office/drawing/2014/main" xmlns="" id="{CD18A449-3967-4F26-86D6-F72B7BEE3466}"/>
+                <a16:creationId xmlns="" xmlns:a16="http://schemas.microsoft.com/office/drawing/2014/main" id="{CD18A449-3967-4F26-86D6-F72B7BEE3466}"/>
               </a:ext>
             </a:extLst>
           </p:cNvPr>
@@ -34342,7 +34648,7 @@
           <p:cNvPr id="32" name="正方形/長方形 31">
             <a:extLst>
               <a:ext uri="{FF2B5EF4-FFF2-40B4-BE49-F238E27FC236}">
-                <a16:creationId xmlns:a16="http://schemas.microsoft.com/office/drawing/2014/main" xmlns="" id="{298285EC-E8A7-40B8-A0FD-210184DC6943}"/>
+                <a16:creationId xmlns="" xmlns:a16="http://schemas.microsoft.com/office/drawing/2014/main" id="{298285EC-E8A7-40B8-A0FD-210184DC6943}"/>
               </a:ext>
             </a:extLst>
           </p:cNvPr>
@@ -34393,7 +34699,7 @@
           <p:cNvPr id="33" name="正方形/長方形 32">
             <a:extLst>
               <a:ext uri="{FF2B5EF4-FFF2-40B4-BE49-F238E27FC236}">
-                <a16:creationId xmlns:a16="http://schemas.microsoft.com/office/drawing/2014/main" xmlns="" id="{CCF31DA3-E774-483B-AA75-786564575B1B}"/>
+                <a16:creationId xmlns="" xmlns:a16="http://schemas.microsoft.com/office/drawing/2014/main" id="{CCF31DA3-E774-483B-AA75-786564575B1B}"/>
               </a:ext>
             </a:extLst>
           </p:cNvPr>
@@ -34447,7 +34753,7 @@
           <p:cNvPr id="34" name="正方形/長方形 33">
             <a:extLst>
               <a:ext uri="{FF2B5EF4-FFF2-40B4-BE49-F238E27FC236}">
-                <a16:creationId xmlns:a16="http://schemas.microsoft.com/office/drawing/2014/main" xmlns="" id="{D7D097FC-393B-435F-89D6-A24ADC5C9D0A}"/>
+                <a16:creationId xmlns="" xmlns:a16="http://schemas.microsoft.com/office/drawing/2014/main" id="{D7D097FC-393B-435F-89D6-A24ADC5C9D0A}"/>
               </a:ext>
             </a:extLst>
           </p:cNvPr>
@@ -34501,7 +34807,7 @@
           <p:cNvPr id="35" name="直線コネクタ 34">
             <a:extLst>
               <a:ext uri="{FF2B5EF4-FFF2-40B4-BE49-F238E27FC236}">
-                <a16:creationId xmlns:a16="http://schemas.microsoft.com/office/drawing/2014/main" xmlns="" id="{5B919E91-7E17-4AAC-8052-4787BF39C842}"/>
+                <a16:creationId xmlns="" xmlns:a16="http://schemas.microsoft.com/office/drawing/2014/main" id="{5B919E91-7E17-4AAC-8052-4787BF39C842}"/>
               </a:ext>
             </a:extLst>
           </p:cNvPr>
@@ -36176,14 +36482,14 @@
                 <a:gridCol w="4183380">
                   <a:extLst>
                     <a:ext uri="{9D8B030D-6E8A-4147-A177-3AD203B41FA5}">
-                      <a16:colId xmlns:a16="http://schemas.microsoft.com/office/drawing/2014/main" xmlns="" val="20000"/>
+                      <a16:colId xmlns="" xmlns:a16="http://schemas.microsoft.com/office/drawing/2014/main" val="20000"/>
                     </a:ext>
                   </a:extLst>
                 </a:gridCol>
                 <a:gridCol w="4183380">
                   <a:extLst>
                     <a:ext uri="{9D8B030D-6E8A-4147-A177-3AD203B41FA5}">
-                      <a16:colId xmlns:a16="http://schemas.microsoft.com/office/drawing/2014/main" xmlns="" val="20001"/>
+                      <a16:colId xmlns="" xmlns:a16="http://schemas.microsoft.com/office/drawing/2014/main" val="20001"/>
                     </a:ext>
                   </a:extLst>
                 </a:gridCol>
@@ -36219,7 +36525,7 @@
                 </a:tc>
                 <a:extLst>
                   <a:ext uri="{0D108BD9-81ED-4DB2-BD59-A6C34878D82A}">
-                    <a16:rowId xmlns:a16="http://schemas.microsoft.com/office/drawing/2014/main" xmlns="" val="10000"/>
+                    <a16:rowId xmlns="" xmlns:a16="http://schemas.microsoft.com/office/drawing/2014/main" val="10000"/>
                   </a:ext>
                 </a:extLst>
               </a:tr>
@@ -36254,7 +36560,7 @@
                 </a:tc>
                 <a:extLst>
                   <a:ext uri="{0D108BD9-81ED-4DB2-BD59-A6C34878D82A}">
-                    <a16:rowId xmlns:a16="http://schemas.microsoft.com/office/drawing/2014/main" xmlns="" val="10001"/>
+                    <a16:rowId xmlns="" xmlns:a16="http://schemas.microsoft.com/office/drawing/2014/main" val="10001"/>
                   </a:ext>
                 </a:extLst>
               </a:tr>
@@ -36484,7 +36790,7 @@
           <p:cNvPr id="12" name="正方形/長方形 11">
             <a:extLst>
               <a:ext uri="{FF2B5EF4-FFF2-40B4-BE49-F238E27FC236}">
-                <a16:creationId xmlns:a16="http://schemas.microsoft.com/office/drawing/2014/main" xmlns="" id="{1F0E40B4-C629-43FF-9F72-8487BAFA4231}"/>
+                <a16:creationId xmlns="" xmlns:a16="http://schemas.microsoft.com/office/drawing/2014/main" id="{1F0E40B4-C629-43FF-9F72-8487BAFA4231}"/>
               </a:ext>
             </a:extLst>
           </p:cNvPr>
@@ -36538,7 +36844,7 @@
           <p:cNvPr id="13" name="正方形/長方形 12">
             <a:extLst>
               <a:ext uri="{FF2B5EF4-FFF2-40B4-BE49-F238E27FC236}">
-                <a16:creationId xmlns:a16="http://schemas.microsoft.com/office/drawing/2014/main" xmlns="" id="{06AFFAA2-5F44-4376-8F89-EC7F53021098}"/>
+                <a16:creationId xmlns="" xmlns:a16="http://schemas.microsoft.com/office/drawing/2014/main" id="{06AFFAA2-5F44-4376-8F89-EC7F53021098}"/>
               </a:ext>
             </a:extLst>
           </p:cNvPr>
@@ -36592,7 +36898,7 @@
           <p:cNvPr id="14" name="正方形/長方形 13">
             <a:extLst>
               <a:ext uri="{FF2B5EF4-FFF2-40B4-BE49-F238E27FC236}">
-                <a16:creationId xmlns:a16="http://schemas.microsoft.com/office/drawing/2014/main" xmlns="" id="{B6B418A7-F638-46B5-A3BA-A80FA921B7FB}"/>
+                <a16:creationId xmlns="" xmlns:a16="http://schemas.microsoft.com/office/drawing/2014/main" id="{B6B418A7-F638-46B5-A3BA-A80FA921B7FB}"/>
               </a:ext>
             </a:extLst>
           </p:cNvPr>
@@ -36643,7 +36949,7 @@
           <p:cNvPr id="15" name="正方形/長方形 14">
             <a:extLst>
               <a:ext uri="{FF2B5EF4-FFF2-40B4-BE49-F238E27FC236}">
-                <a16:creationId xmlns:a16="http://schemas.microsoft.com/office/drawing/2014/main" xmlns="" id="{77AA787D-4E4D-4850-AA48-98FB38EC971C}"/>
+                <a16:creationId xmlns="" xmlns:a16="http://schemas.microsoft.com/office/drawing/2014/main" id="{77AA787D-4E4D-4850-AA48-98FB38EC971C}"/>
               </a:ext>
             </a:extLst>
           </p:cNvPr>
@@ -36697,7 +37003,7 @@
           <p:cNvPr id="16" name="正方形/長方形 15">
             <a:extLst>
               <a:ext uri="{FF2B5EF4-FFF2-40B4-BE49-F238E27FC236}">
-                <a16:creationId xmlns:a16="http://schemas.microsoft.com/office/drawing/2014/main" xmlns="" id="{7E6A57D3-4EAA-4E12-B2E4-1D8CC0A96835}"/>
+                <a16:creationId xmlns="" xmlns:a16="http://schemas.microsoft.com/office/drawing/2014/main" id="{7E6A57D3-4EAA-4E12-B2E4-1D8CC0A96835}"/>
               </a:ext>
             </a:extLst>
           </p:cNvPr>
@@ -36751,7 +37057,7 @@
           <p:cNvPr id="17" name="正方形/長方形 16">
             <a:extLst>
               <a:ext uri="{FF2B5EF4-FFF2-40B4-BE49-F238E27FC236}">
-                <a16:creationId xmlns:a16="http://schemas.microsoft.com/office/drawing/2014/main" xmlns="" id="{11710802-EDF6-4899-B1F9-D7799702B8D7}"/>
+                <a16:creationId xmlns="" xmlns:a16="http://schemas.microsoft.com/office/drawing/2014/main" id="{11710802-EDF6-4899-B1F9-D7799702B8D7}"/>
               </a:ext>
             </a:extLst>
           </p:cNvPr>
@@ -36805,7 +37111,7 @@
           <p:cNvPr id="18" name="正方形/長方形 17">
             <a:extLst>
               <a:ext uri="{FF2B5EF4-FFF2-40B4-BE49-F238E27FC236}">
-                <a16:creationId xmlns:a16="http://schemas.microsoft.com/office/drawing/2014/main" xmlns="" id="{8D940DC3-E272-4EC2-A7FB-839BAB97CD0C}"/>
+                <a16:creationId xmlns="" xmlns:a16="http://schemas.microsoft.com/office/drawing/2014/main" id="{8D940DC3-E272-4EC2-A7FB-839BAB97CD0C}"/>
               </a:ext>
             </a:extLst>
           </p:cNvPr>
@@ -36856,7 +37162,7 @@
           <p:cNvPr id="19" name="正方形/長方形 18">
             <a:extLst>
               <a:ext uri="{FF2B5EF4-FFF2-40B4-BE49-F238E27FC236}">
-                <a16:creationId xmlns:a16="http://schemas.microsoft.com/office/drawing/2014/main" xmlns="" id="{3D01080A-535A-4AD3-A959-299A5DFC69B7}"/>
+                <a16:creationId xmlns="" xmlns:a16="http://schemas.microsoft.com/office/drawing/2014/main" id="{3D01080A-535A-4AD3-A959-299A5DFC69B7}"/>
               </a:ext>
             </a:extLst>
           </p:cNvPr>
@@ -36910,7 +37216,7 @@
           <p:cNvPr id="20" name="正方形/長方形 19">
             <a:extLst>
               <a:ext uri="{FF2B5EF4-FFF2-40B4-BE49-F238E27FC236}">
-                <a16:creationId xmlns:a16="http://schemas.microsoft.com/office/drawing/2014/main" xmlns="" id="{EDDFA2B9-A564-4C7D-A838-C99627DCA791}"/>
+                <a16:creationId xmlns="" xmlns:a16="http://schemas.microsoft.com/office/drawing/2014/main" id="{EDDFA2B9-A564-4C7D-A838-C99627DCA791}"/>
               </a:ext>
             </a:extLst>
           </p:cNvPr>
@@ -36964,7 +37270,7 @@
           <p:cNvPr id="21" name="正方形/長方形 20">
             <a:extLst>
               <a:ext uri="{FF2B5EF4-FFF2-40B4-BE49-F238E27FC236}">
-                <a16:creationId xmlns:a16="http://schemas.microsoft.com/office/drawing/2014/main" xmlns="" id="{A6C250E2-E98B-4B95-AC1F-52AB0BE7846E}"/>
+                <a16:creationId xmlns="" xmlns:a16="http://schemas.microsoft.com/office/drawing/2014/main" id="{A6C250E2-E98B-4B95-AC1F-52AB0BE7846E}"/>
               </a:ext>
             </a:extLst>
           </p:cNvPr>
@@ -37018,7 +37324,7 @@
           <p:cNvPr id="22" name="正方形/長方形 21">
             <a:extLst>
               <a:ext uri="{FF2B5EF4-FFF2-40B4-BE49-F238E27FC236}">
-                <a16:creationId xmlns:a16="http://schemas.microsoft.com/office/drawing/2014/main" xmlns="" id="{848275B5-4384-422B-A1A1-ACF67DBC7B88}"/>
+                <a16:creationId xmlns="" xmlns:a16="http://schemas.microsoft.com/office/drawing/2014/main" id="{848275B5-4384-422B-A1A1-ACF67DBC7B88}"/>
               </a:ext>
             </a:extLst>
           </p:cNvPr>
@@ -37069,7 +37375,7 @@
           <p:cNvPr id="23" name="正方形/長方形 22">
             <a:extLst>
               <a:ext uri="{FF2B5EF4-FFF2-40B4-BE49-F238E27FC236}">
-                <a16:creationId xmlns:a16="http://schemas.microsoft.com/office/drawing/2014/main" xmlns="" id="{36A8A1BC-CF16-45CB-BBDA-D787F3C17364}"/>
+                <a16:creationId xmlns="" xmlns:a16="http://schemas.microsoft.com/office/drawing/2014/main" id="{36A8A1BC-CF16-45CB-BBDA-D787F3C17364}"/>
               </a:ext>
             </a:extLst>
           </p:cNvPr>
@@ -37123,7 +37429,7 @@
           <p:cNvPr id="24" name="正方形/長方形 23">
             <a:extLst>
               <a:ext uri="{FF2B5EF4-FFF2-40B4-BE49-F238E27FC236}">
-                <a16:creationId xmlns:a16="http://schemas.microsoft.com/office/drawing/2014/main" xmlns="" id="{87E8A900-5E5D-488A-8F51-DA3D8620915C}"/>
+                <a16:creationId xmlns="" xmlns:a16="http://schemas.microsoft.com/office/drawing/2014/main" id="{87E8A900-5E5D-488A-8F51-DA3D8620915C}"/>
               </a:ext>
             </a:extLst>
           </p:cNvPr>
@@ -37413,21 +37719,21 @@
                     <a:gridCol w="2310260">
                       <a:extLst>
                         <a:ext uri="{9D8B030D-6E8A-4147-A177-3AD203B41FA5}">
-                          <a16:colId xmlns:a16="http://schemas.microsoft.com/office/drawing/2014/main" xmlns="" val="20000"/>
+                          <a16:colId xmlns="" xmlns:a16="http://schemas.microsoft.com/office/drawing/2014/main" val="20000"/>
                         </a:ext>
                       </a:extLst>
                     </a:gridCol>
                     <a:gridCol w="2310260">
                       <a:extLst>
                         <a:ext uri="{9D8B030D-6E8A-4147-A177-3AD203B41FA5}">
-                          <a16:colId xmlns:a16="http://schemas.microsoft.com/office/drawing/2014/main" xmlns="" val="20001"/>
+                          <a16:colId xmlns="" xmlns:a16="http://schemas.microsoft.com/office/drawing/2014/main" val="20001"/>
                         </a:ext>
                       </a:extLst>
                     </a:gridCol>
                     <a:gridCol w="2310260">
                       <a:extLst>
                         <a:ext uri="{9D8B030D-6E8A-4147-A177-3AD203B41FA5}">
-                          <a16:colId xmlns:a16="http://schemas.microsoft.com/office/drawing/2014/main" xmlns="" val="20002"/>
+                          <a16:colId xmlns="" xmlns:a16="http://schemas.microsoft.com/office/drawing/2014/main" val="20002"/>
                         </a:ext>
                       </a:extLst>
                     </a:gridCol>
@@ -37477,7 +37783,7 @@
                     </a:tc>
                     <a:extLst>
                       <a:ext uri="{0D108BD9-81ED-4DB2-BD59-A6C34878D82A}">
-                        <a16:rowId xmlns:a16="http://schemas.microsoft.com/office/drawing/2014/main" xmlns="" val="10000"/>
+                        <a16:rowId xmlns="" xmlns:a16="http://schemas.microsoft.com/office/drawing/2014/main" val="10000"/>
                       </a:ext>
                     </a:extLst>
                   </a:tr>
@@ -37581,7 +37887,7 @@
                     </a:tc>
                     <a:extLst>
                       <a:ext uri="{0D108BD9-81ED-4DB2-BD59-A6C34878D82A}">
-                        <a16:rowId xmlns:a16="http://schemas.microsoft.com/office/drawing/2014/main" xmlns="" val="10001"/>
+                        <a16:rowId xmlns="" xmlns:a16="http://schemas.microsoft.com/office/drawing/2014/main" val="10001"/>
                       </a:ext>
                     </a:extLst>
                   </a:tr>
@@ -37685,7 +37991,7 @@
                     </a:tc>
                     <a:extLst>
                       <a:ext uri="{0D108BD9-81ED-4DB2-BD59-A6C34878D82A}">
-                        <a16:rowId xmlns:a16="http://schemas.microsoft.com/office/drawing/2014/main" xmlns="" val="10002"/>
+                        <a16:rowId xmlns="" xmlns:a16="http://schemas.microsoft.com/office/drawing/2014/main" val="10002"/>
                       </a:ext>
                     </a:extLst>
                   </a:tr>
@@ -37777,7 +38083,7 @@
                     </a:tc>
                     <a:extLst>
                       <a:ext uri="{0D108BD9-81ED-4DB2-BD59-A6C34878D82A}">
-                        <a16:rowId xmlns:a16="http://schemas.microsoft.com/office/drawing/2014/main" xmlns="" val="10003"/>
+                        <a16:rowId xmlns="" xmlns:a16="http://schemas.microsoft.com/office/drawing/2014/main" val="10003"/>
                       </a:ext>
                     </a:extLst>
                   </a:tr>
@@ -38150,7 +38456,7 @@
           <p:cNvPr id="8" name="正方形/長方形 7">
             <a:extLst>
               <a:ext uri="{FF2B5EF4-FFF2-40B4-BE49-F238E27FC236}">
-                <a16:creationId xmlns:a16="http://schemas.microsoft.com/office/drawing/2014/main" xmlns="" id="{FBEB0FAE-F4AC-4F52-A12E-2CDFA4758D26}"/>
+                <a16:creationId xmlns="" xmlns:a16="http://schemas.microsoft.com/office/drawing/2014/main" id="{FBEB0FAE-F4AC-4F52-A12E-2CDFA4758D26}"/>
               </a:ext>
             </a:extLst>
           </p:cNvPr>
@@ -38213,7 +38519,7 @@
           <p:cNvPr id="9" name="正方形/長方形 8">
             <a:extLst>
               <a:ext uri="{FF2B5EF4-FFF2-40B4-BE49-F238E27FC236}">
-                <a16:creationId xmlns:a16="http://schemas.microsoft.com/office/drawing/2014/main" xmlns="" id="{FAD64762-473D-4E12-9B3E-E7101AB3C909}"/>
+                <a16:creationId xmlns="" xmlns:a16="http://schemas.microsoft.com/office/drawing/2014/main" id="{FAD64762-473D-4E12-9B3E-E7101AB3C909}"/>
               </a:ext>
             </a:extLst>
           </p:cNvPr>
@@ -38264,7 +38570,7 @@
           <p:cNvPr id="10" name="正方形/長方形 9">
             <a:extLst>
               <a:ext uri="{FF2B5EF4-FFF2-40B4-BE49-F238E27FC236}">
-                <a16:creationId xmlns:a16="http://schemas.microsoft.com/office/drawing/2014/main" xmlns="" id="{66C5BF2C-48E8-42CD-803D-8D48222F030B}"/>
+                <a16:creationId xmlns="" xmlns:a16="http://schemas.microsoft.com/office/drawing/2014/main" id="{66C5BF2C-48E8-42CD-803D-8D48222F030B}"/>
               </a:ext>
             </a:extLst>
           </p:cNvPr>
@@ -38318,7 +38624,7 @@
           <p:cNvPr id="11" name="正方形/長方形 10">
             <a:extLst>
               <a:ext uri="{FF2B5EF4-FFF2-40B4-BE49-F238E27FC236}">
-                <a16:creationId xmlns:a16="http://schemas.microsoft.com/office/drawing/2014/main" xmlns="" id="{0D31F5D5-1EC7-4208-88E7-747365D37886}"/>
+                <a16:creationId xmlns="" xmlns:a16="http://schemas.microsoft.com/office/drawing/2014/main" id="{0D31F5D5-1EC7-4208-88E7-747365D37886}"/>
               </a:ext>
             </a:extLst>
           </p:cNvPr>
@@ -38372,7 +38678,7 @@
           <p:cNvPr id="12" name="正方形/長方形 11">
             <a:extLst>
               <a:ext uri="{FF2B5EF4-FFF2-40B4-BE49-F238E27FC236}">
-                <a16:creationId xmlns:a16="http://schemas.microsoft.com/office/drawing/2014/main" xmlns="" id="{8555C9AC-E5CB-4C70-9098-5B172410D903}"/>
+                <a16:creationId xmlns="" xmlns:a16="http://schemas.microsoft.com/office/drawing/2014/main" id="{8555C9AC-E5CB-4C70-9098-5B172410D903}"/>
               </a:ext>
             </a:extLst>
           </p:cNvPr>
@@ -38426,7 +38732,7 @@
           <p:cNvPr id="13" name="正方形/長方形 12">
             <a:extLst>
               <a:ext uri="{FF2B5EF4-FFF2-40B4-BE49-F238E27FC236}">
-                <a16:creationId xmlns:a16="http://schemas.microsoft.com/office/drawing/2014/main" xmlns="" id="{AA759177-9BF0-4B40-B51D-D9D690E36C44}"/>
+                <a16:creationId xmlns="" xmlns:a16="http://schemas.microsoft.com/office/drawing/2014/main" id="{AA759177-9BF0-4B40-B51D-D9D690E36C44}"/>
               </a:ext>
             </a:extLst>
           </p:cNvPr>
@@ -38480,7 +38786,7 @@
           <p:cNvPr id="14" name="正方形/長方形 13">
             <a:extLst>
               <a:ext uri="{FF2B5EF4-FFF2-40B4-BE49-F238E27FC236}">
-                <a16:creationId xmlns:a16="http://schemas.microsoft.com/office/drawing/2014/main" xmlns="" id="{297B8677-2C7A-4C3E-803F-34EB222DDBBF}"/>
+                <a16:creationId xmlns="" xmlns:a16="http://schemas.microsoft.com/office/drawing/2014/main" id="{297B8677-2C7A-4C3E-803F-34EB222DDBBF}"/>
               </a:ext>
             </a:extLst>
           </p:cNvPr>
@@ -38534,7 +38840,7 @@
           <p:cNvPr id="15" name="正方形/長方形 14">
             <a:extLst>
               <a:ext uri="{FF2B5EF4-FFF2-40B4-BE49-F238E27FC236}">
-                <a16:creationId xmlns:a16="http://schemas.microsoft.com/office/drawing/2014/main" xmlns="" id="{2C6E1B31-772F-4044-A849-0EB70AFE0303}"/>
+                <a16:creationId xmlns="" xmlns:a16="http://schemas.microsoft.com/office/drawing/2014/main" id="{2C6E1B31-772F-4044-A849-0EB70AFE0303}"/>
               </a:ext>
             </a:extLst>
           </p:cNvPr>
@@ -38588,7 +38894,7 @@
           <p:cNvPr id="16" name="正方形/長方形 15">
             <a:extLst>
               <a:ext uri="{FF2B5EF4-FFF2-40B4-BE49-F238E27FC236}">
-                <a16:creationId xmlns:a16="http://schemas.microsoft.com/office/drawing/2014/main" xmlns="" id="{9965A9AF-691A-4978-A80B-C62A37A4BDD9}"/>
+                <a16:creationId xmlns="" xmlns:a16="http://schemas.microsoft.com/office/drawing/2014/main" id="{9965A9AF-691A-4978-A80B-C62A37A4BDD9}"/>
               </a:ext>
             </a:extLst>
           </p:cNvPr>
@@ -38642,7 +38948,7 @@
           <p:cNvPr id="17" name="正方形/長方形 16">
             <a:extLst>
               <a:ext uri="{FF2B5EF4-FFF2-40B4-BE49-F238E27FC236}">
-                <a16:creationId xmlns:a16="http://schemas.microsoft.com/office/drawing/2014/main" xmlns="" id="{248457B8-AE89-4380-9728-8C9E4AF041E3}"/>
+                <a16:creationId xmlns="" xmlns:a16="http://schemas.microsoft.com/office/drawing/2014/main" id="{248457B8-AE89-4380-9728-8C9E4AF041E3}"/>
               </a:ext>
             </a:extLst>
           </p:cNvPr>
@@ -38696,7 +39002,7 @@
           <p:cNvPr id="18" name="正方形/長方形 17">
             <a:extLst>
               <a:ext uri="{FF2B5EF4-FFF2-40B4-BE49-F238E27FC236}">
-                <a16:creationId xmlns:a16="http://schemas.microsoft.com/office/drawing/2014/main" xmlns="" id="{26BAA534-30A0-4C52-873D-CE8D2BF86E61}"/>
+                <a16:creationId xmlns="" xmlns:a16="http://schemas.microsoft.com/office/drawing/2014/main" id="{26BAA534-30A0-4C52-873D-CE8D2BF86E61}"/>
               </a:ext>
             </a:extLst>
           </p:cNvPr>
@@ -38750,7 +39056,7 @@
           <p:cNvPr id="19" name="正方形/長方形 18">
             <a:extLst>
               <a:ext uri="{FF2B5EF4-FFF2-40B4-BE49-F238E27FC236}">
-                <a16:creationId xmlns:a16="http://schemas.microsoft.com/office/drawing/2014/main" xmlns="" id="{DB5D3C2C-9BB8-47DF-A7A2-898A1AF02FB5}"/>
+                <a16:creationId xmlns="" xmlns:a16="http://schemas.microsoft.com/office/drawing/2014/main" id="{DB5D3C2C-9BB8-47DF-A7A2-898A1AF02FB5}"/>
               </a:ext>
             </a:extLst>
           </p:cNvPr>
@@ -38801,7 +39107,7 @@
           <p:cNvPr id="20" name="正方形/長方形 19">
             <a:extLst>
               <a:ext uri="{FF2B5EF4-FFF2-40B4-BE49-F238E27FC236}">
-                <a16:creationId xmlns:a16="http://schemas.microsoft.com/office/drawing/2014/main" xmlns="" id="{C47F330E-4464-44CE-B882-EF39F8A06BAC}"/>
+                <a16:creationId xmlns="" xmlns:a16="http://schemas.microsoft.com/office/drawing/2014/main" id="{C47F330E-4464-44CE-B882-EF39F8A06BAC}"/>
               </a:ext>
             </a:extLst>
           </p:cNvPr>
@@ -38855,7 +39161,7 @@
           <p:cNvPr id="21" name="正方形/長方形 20">
             <a:extLst>
               <a:ext uri="{FF2B5EF4-FFF2-40B4-BE49-F238E27FC236}">
-                <a16:creationId xmlns:a16="http://schemas.microsoft.com/office/drawing/2014/main" xmlns="" id="{9E72F3C4-127E-4F7C-B92C-F27F576AC7B7}"/>
+                <a16:creationId xmlns="" xmlns:a16="http://schemas.microsoft.com/office/drawing/2014/main" id="{9E72F3C4-127E-4F7C-B92C-F27F576AC7B7}"/>
               </a:ext>
             </a:extLst>
           </p:cNvPr>
@@ -38909,7 +39215,7 @@
           <p:cNvPr id="22" name="正方形/長方形 21">
             <a:extLst>
               <a:ext uri="{FF2B5EF4-FFF2-40B4-BE49-F238E27FC236}">
-                <a16:creationId xmlns:a16="http://schemas.microsoft.com/office/drawing/2014/main" xmlns="" id="{5E8E04B5-5BF3-495C-ACAE-34A0795A5551}"/>
+                <a16:creationId xmlns="" xmlns:a16="http://schemas.microsoft.com/office/drawing/2014/main" id="{5E8E04B5-5BF3-495C-ACAE-34A0795A5551}"/>
               </a:ext>
             </a:extLst>
           </p:cNvPr>
@@ -38963,7 +39269,7 @@
           <p:cNvPr id="23" name="正方形/長方形 22">
             <a:extLst>
               <a:ext uri="{FF2B5EF4-FFF2-40B4-BE49-F238E27FC236}">
-                <a16:creationId xmlns:a16="http://schemas.microsoft.com/office/drawing/2014/main" xmlns="" id="{BA959C7A-A0C4-4B67-990D-2B62DA50C9BE}"/>
+                <a16:creationId xmlns="" xmlns:a16="http://schemas.microsoft.com/office/drawing/2014/main" id="{BA959C7A-A0C4-4B67-990D-2B62DA50C9BE}"/>
               </a:ext>
             </a:extLst>
           </p:cNvPr>
@@ -39017,7 +39323,7 @@
           <p:cNvPr id="24" name="正方形/長方形 23">
             <a:extLst>
               <a:ext uri="{FF2B5EF4-FFF2-40B4-BE49-F238E27FC236}">
-                <a16:creationId xmlns:a16="http://schemas.microsoft.com/office/drawing/2014/main" xmlns="" id="{D374CC26-EB45-4C22-B9AF-36C4E3BB117D}"/>
+                <a16:creationId xmlns="" xmlns:a16="http://schemas.microsoft.com/office/drawing/2014/main" id="{D374CC26-EB45-4C22-B9AF-36C4E3BB117D}"/>
               </a:ext>
             </a:extLst>
           </p:cNvPr>
@@ -39071,7 +39377,7 @@
           <p:cNvPr id="25" name="正方形/長方形 24">
             <a:extLst>
               <a:ext uri="{FF2B5EF4-FFF2-40B4-BE49-F238E27FC236}">
-                <a16:creationId xmlns:a16="http://schemas.microsoft.com/office/drawing/2014/main" xmlns="" id="{7E705C8B-8F80-4C13-AC29-A8BA3448CC71}"/>
+                <a16:creationId xmlns="" xmlns:a16="http://schemas.microsoft.com/office/drawing/2014/main" id="{7E705C8B-8F80-4C13-AC29-A8BA3448CC71}"/>
               </a:ext>
             </a:extLst>
           </p:cNvPr>
@@ -39125,7 +39431,7 @@
           <p:cNvPr id="26" name="正方形/長方形 25">
             <a:extLst>
               <a:ext uri="{FF2B5EF4-FFF2-40B4-BE49-F238E27FC236}">
-                <a16:creationId xmlns:a16="http://schemas.microsoft.com/office/drawing/2014/main" xmlns="" id="{DA15B757-D9C5-4DA6-B680-9688DCE92B0F}"/>
+                <a16:creationId xmlns="" xmlns:a16="http://schemas.microsoft.com/office/drawing/2014/main" id="{DA15B757-D9C5-4DA6-B680-9688DCE92B0F}"/>
               </a:ext>
             </a:extLst>
           </p:cNvPr>
@@ -39179,7 +39485,7 @@
           <p:cNvPr id="27" name="正方形/長方形 26">
             <a:extLst>
               <a:ext uri="{FF2B5EF4-FFF2-40B4-BE49-F238E27FC236}">
-                <a16:creationId xmlns:a16="http://schemas.microsoft.com/office/drawing/2014/main" xmlns="" id="{0C864646-8E73-4052-B052-6E497997AC4B}"/>
+                <a16:creationId xmlns="" xmlns:a16="http://schemas.microsoft.com/office/drawing/2014/main" id="{0C864646-8E73-4052-B052-6E497997AC4B}"/>
               </a:ext>
             </a:extLst>
           </p:cNvPr>
@@ -39233,7 +39539,7 @@
           <p:cNvPr id="28" name="正方形/長方形 27">
             <a:extLst>
               <a:ext uri="{FF2B5EF4-FFF2-40B4-BE49-F238E27FC236}">
-                <a16:creationId xmlns:a16="http://schemas.microsoft.com/office/drawing/2014/main" xmlns="" id="{D309DBF8-3407-4BC0-A2AF-22B6A1A25AD1}"/>
+                <a16:creationId xmlns="" xmlns:a16="http://schemas.microsoft.com/office/drawing/2014/main" id="{D309DBF8-3407-4BC0-A2AF-22B6A1A25AD1}"/>
               </a:ext>
             </a:extLst>
           </p:cNvPr>
@@ -39287,7 +39593,7 @@
           <p:cNvPr id="29" name="正方形/長方形 28">
             <a:extLst>
               <a:ext uri="{FF2B5EF4-FFF2-40B4-BE49-F238E27FC236}">
-                <a16:creationId xmlns:a16="http://schemas.microsoft.com/office/drawing/2014/main" xmlns="" id="{6626A137-4278-4A0D-AC46-32E0DFA058DA}"/>
+                <a16:creationId xmlns="" xmlns:a16="http://schemas.microsoft.com/office/drawing/2014/main" id="{6626A137-4278-4A0D-AC46-32E0DFA058DA}"/>
               </a:ext>
             </a:extLst>
           </p:cNvPr>
@@ -39341,7 +39647,7 @@
           <p:cNvPr id="30" name="正方形/長方形 29">
             <a:extLst>
               <a:ext uri="{FF2B5EF4-FFF2-40B4-BE49-F238E27FC236}">
-                <a16:creationId xmlns:a16="http://schemas.microsoft.com/office/drawing/2014/main" xmlns="" id="{E34E2225-6106-4A8D-84C1-1EEE60095475}"/>
+                <a16:creationId xmlns="" xmlns:a16="http://schemas.microsoft.com/office/drawing/2014/main" id="{E34E2225-6106-4A8D-84C1-1EEE60095475}"/>
               </a:ext>
             </a:extLst>
           </p:cNvPr>
@@ -39395,7 +39701,7 @@
           <p:cNvPr id="31" name="正方形/長方形 30">
             <a:extLst>
               <a:ext uri="{FF2B5EF4-FFF2-40B4-BE49-F238E27FC236}">
-                <a16:creationId xmlns:a16="http://schemas.microsoft.com/office/drawing/2014/main" xmlns="" id="{FB7AA59B-50B7-4488-95E9-17B82A01E45C}"/>
+                <a16:creationId xmlns="" xmlns:a16="http://schemas.microsoft.com/office/drawing/2014/main" id="{FB7AA59B-50B7-4488-95E9-17B82A01E45C}"/>
               </a:ext>
             </a:extLst>
           </p:cNvPr>
@@ -39449,7 +39755,7 @@
           <p:cNvPr id="32" name="正方形/長方形 31">
             <a:extLst>
               <a:ext uri="{FF2B5EF4-FFF2-40B4-BE49-F238E27FC236}">
-                <a16:creationId xmlns:a16="http://schemas.microsoft.com/office/drawing/2014/main" xmlns="" id="{79A9F967-92BA-4A3B-8EA1-A5C0E2853DF4}"/>
+                <a16:creationId xmlns="" xmlns:a16="http://schemas.microsoft.com/office/drawing/2014/main" id="{79A9F967-92BA-4A3B-8EA1-A5C0E2853DF4}"/>
               </a:ext>
             </a:extLst>
           </p:cNvPr>
@@ -39503,7 +39809,7 @@
           <p:cNvPr id="33" name="正方形/長方形 32">
             <a:extLst>
               <a:ext uri="{FF2B5EF4-FFF2-40B4-BE49-F238E27FC236}">
-                <a16:creationId xmlns:a16="http://schemas.microsoft.com/office/drawing/2014/main" xmlns="" id="{2B205334-AA9E-45F5-BE42-BEAC992BA1C8}"/>
+                <a16:creationId xmlns="" xmlns:a16="http://schemas.microsoft.com/office/drawing/2014/main" id="{2B205334-AA9E-45F5-BE42-BEAC992BA1C8}"/>
               </a:ext>
             </a:extLst>
           </p:cNvPr>
@@ -39557,7 +39863,7 @@
           <p:cNvPr id="3" name="左中かっこ 2">
             <a:extLst>
               <a:ext uri="{FF2B5EF4-FFF2-40B4-BE49-F238E27FC236}">
-                <a16:creationId xmlns:a16="http://schemas.microsoft.com/office/drawing/2014/main" xmlns="" id="{D130B904-88C2-41D2-9A74-63D915EDF2EB}"/>
+                <a16:creationId xmlns="" xmlns:a16="http://schemas.microsoft.com/office/drawing/2014/main" id="{D130B904-88C2-41D2-9A74-63D915EDF2EB}"/>
               </a:ext>
             </a:extLst>
           </p:cNvPr>
@@ -39613,7 +39919,7 @@
               <p:cNvPr id="34" name="テキスト ボックス 33">
                 <a:extLst>
                   <a:ext uri="{FF2B5EF4-FFF2-40B4-BE49-F238E27FC236}">
-                    <a16:creationId xmlns:a16="http://schemas.microsoft.com/office/drawing/2014/main" xmlns="" id="{9B5C9E8D-24AC-47BE-BD80-7A4665D9AC19}"/>
+                    <a16:creationId xmlns="" xmlns:a16="http://schemas.microsoft.com/office/drawing/2014/main" id="{9B5C9E8D-24AC-47BE-BD80-7A4665D9AC19}"/>
                   </a:ext>
                 </a:extLst>
               </p:cNvPr>
@@ -39707,7 +40013,7 @@
           <p:cNvPr id="35" name="正方形/長方形 34">
             <a:extLst>
               <a:ext uri="{FF2B5EF4-FFF2-40B4-BE49-F238E27FC236}">
-                <a16:creationId xmlns:a16="http://schemas.microsoft.com/office/drawing/2014/main" xmlns="" id="{FD0C521E-9709-4AD0-88E8-612C23326B45}"/>
+                <a16:creationId xmlns="" xmlns:a16="http://schemas.microsoft.com/office/drawing/2014/main" id="{FD0C521E-9709-4AD0-88E8-612C23326B45}"/>
               </a:ext>
             </a:extLst>
           </p:cNvPr>
@@ -39758,7 +40064,7 @@
           <p:cNvPr id="36" name="正方形/長方形 35">
             <a:extLst>
               <a:ext uri="{FF2B5EF4-FFF2-40B4-BE49-F238E27FC236}">
-                <a16:creationId xmlns:a16="http://schemas.microsoft.com/office/drawing/2014/main" xmlns="" id="{CD690FE4-DE84-4011-A6F4-DCBC0296421B}"/>
+                <a16:creationId xmlns="" xmlns:a16="http://schemas.microsoft.com/office/drawing/2014/main" id="{CD690FE4-DE84-4011-A6F4-DCBC0296421B}"/>
               </a:ext>
             </a:extLst>
           </p:cNvPr>
@@ -39812,7 +40118,7 @@
           <p:cNvPr id="37" name="正方形/長方形 36">
             <a:extLst>
               <a:ext uri="{FF2B5EF4-FFF2-40B4-BE49-F238E27FC236}">
-                <a16:creationId xmlns:a16="http://schemas.microsoft.com/office/drawing/2014/main" xmlns="" id="{7852FD16-DFAE-4771-91A4-50897ED645FA}"/>
+                <a16:creationId xmlns="" xmlns:a16="http://schemas.microsoft.com/office/drawing/2014/main" id="{7852FD16-DFAE-4771-91A4-50897ED645FA}"/>
               </a:ext>
             </a:extLst>
           </p:cNvPr>
@@ -39866,7 +40172,7 @@
           <p:cNvPr id="38" name="正方形/長方形 37">
             <a:extLst>
               <a:ext uri="{FF2B5EF4-FFF2-40B4-BE49-F238E27FC236}">
-                <a16:creationId xmlns:a16="http://schemas.microsoft.com/office/drawing/2014/main" xmlns="" id="{EA552DE8-1A5F-45D9-AF72-650B45A5B6A3}"/>
+                <a16:creationId xmlns="" xmlns:a16="http://schemas.microsoft.com/office/drawing/2014/main" id="{EA552DE8-1A5F-45D9-AF72-650B45A5B6A3}"/>
               </a:ext>
             </a:extLst>
           </p:cNvPr>
@@ -39920,7 +40226,7 @@
           <p:cNvPr id="39" name="正方形/長方形 38">
             <a:extLst>
               <a:ext uri="{FF2B5EF4-FFF2-40B4-BE49-F238E27FC236}">
-                <a16:creationId xmlns:a16="http://schemas.microsoft.com/office/drawing/2014/main" xmlns="" id="{54719B21-68FD-4720-B604-1C5C3125096B}"/>
+                <a16:creationId xmlns="" xmlns:a16="http://schemas.microsoft.com/office/drawing/2014/main" id="{54719B21-68FD-4720-B604-1C5C3125096B}"/>
               </a:ext>
             </a:extLst>
           </p:cNvPr>
@@ -39974,7 +40280,7 @@
           <p:cNvPr id="40" name="正方形/長方形 39">
             <a:extLst>
               <a:ext uri="{FF2B5EF4-FFF2-40B4-BE49-F238E27FC236}">
-                <a16:creationId xmlns:a16="http://schemas.microsoft.com/office/drawing/2014/main" xmlns="" id="{4B5F8F7F-5858-4C2D-BC98-FD9139AA1DDB}"/>
+                <a16:creationId xmlns="" xmlns:a16="http://schemas.microsoft.com/office/drawing/2014/main" id="{4B5F8F7F-5858-4C2D-BC98-FD9139AA1DDB}"/>
               </a:ext>
             </a:extLst>
           </p:cNvPr>
@@ -40028,7 +40334,7 @@
           <p:cNvPr id="41" name="正方形/長方形 40">
             <a:extLst>
               <a:ext uri="{FF2B5EF4-FFF2-40B4-BE49-F238E27FC236}">
-                <a16:creationId xmlns:a16="http://schemas.microsoft.com/office/drawing/2014/main" xmlns="" id="{A2C90401-4B89-478F-A617-A7E9917528F5}"/>
+                <a16:creationId xmlns="" xmlns:a16="http://schemas.microsoft.com/office/drawing/2014/main" id="{A2C90401-4B89-478F-A617-A7E9917528F5}"/>
               </a:ext>
             </a:extLst>
           </p:cNvPr>
@@ -40082,7 +40388,7 @@
           <p:cNvPr id="42" name="正方形/長方形 41">
             <a:extLst>
               <a:ext uri="{FF2B5EF4-FFF2-40B4-BE49-F238E27FC236}">
-                <a16:creationId xmlns:a16="http://schemas.microsoft.com/office/drawing/2014/main" xmlns="" id="{6E71748A-29E5-4363-AACE-138043F251FF}"/>
+                <a16:creationId xmlns="" xmlns:a16="http://schemas.microsoft.com/office/drawing/2014/main" id="{6E71748A-29E5-4363-AACE-138043F251FF}"/>
               </a:ext>
             </a:extLst>
           </p:cNvPr>
@@ -40136,7 +40442,7 @@
           <p:cNvPr id="43" name="正方形/長方形 42">
             <a:extLst>
               <a:ext uri="{FF2B5EF4-FFF2-40B4-BE49-F238E27FC236}">
-                <a16:creationId xmlns:a16="http://schemas.microsoft.com/office/drawing/2014/main" xmlns="" id="{9F1FAA34-8307-49D0-900D-439A71D4B2E1}"/>
+                <a16:creationId xmlns="" xmlns:a16="http://schemas.microsoft.com/office/drawing/2014/main" id="{9F1FAA34-8307-49D0-900D-439A71D4B2E1}"/>
               </a:ext>
             </a:extLst>
           </p:cNvPr>
@@ -40190,7 +40496,7 @@
           <p:cNvPr id="44" name="正方形/長方形 43">
             <a:extLst>
               <a:ext uri="{FF2B5EF4-FFF2-40B4-BE49-F238E27FC236}">
-                <a16:creationId xmlns:a16="http://schemas.microsoft.com/office/drawing/2014/main" xmlns="" id="{182B61C3-C388-48E3-9875-39F06E4FB47E}"/>
+                <a16:creationId xmlns="" xmlns:a16="http://schemas.microsoft.com/office/drawing/2014/main" id="{182B61C3-C388-48E3-9875-39F06E4FB47E}"/>
               </a:ext>
             </a:extLst>
           </p:cNvPr>
@@ -40244,7 +40550,7 @@
           <p:cNvPr id="45" name="正方形/長方形 44">
             <a:extLst>
               <a:ext uri="{FF2B5EF4-FFF2-40B4-BE49-F238E27FC236}">
-                <a16:creationId xmlns:a16="http://schemas.microsoft.com/office/drawing/2014/main" xmlns="" id="{31CA88D6-3972-4B6C-935E-64EF99CFF57B}"/>
+                <a16:creationId xmlns="" xmlns:a16="http://schemas.microsoft.com/office/drawing/2014/main" id="{31CA88D6-3972-4B6C-935E-64EF99CFF57B}"/>
               </a:ext>
             </a:extLst>
           </p:cNvPr>
@@ -40298,7 +40604,7 @@
           <p:cNvPr id="46" name="正方形/長方形 45">
             <a:extLst>
               <a:ext uri="{FF2B5EF4-FFF2-40B4-BE49-F238E27FC236}">
-                <a16:creationId xmlns:a16="http://schemas.microsoft.com/office/drawing/2014/main" xmlns="" id="{4B6B780A-7309-4D1B-9EC4-31B4BB707EC8}"/>
+                <a16:creationId xmlns="" xmlns:a16="http://schemas.microsoft.com/office/drawing/2014/main" id="{4B6B780A-7309-4D1B-9EC4-31B4BB707EC8}"/>
               </a:ext>
             </a:extLst>
           </p:cNvPr>
@@ -40352,7 +40658,7 @@
           <p:cNvPr id="47" name="正方形/長方形 46">
             <a:extLst>
               <a:ext uri="{FF2B5EF4-FFF2-40B4-BE49-F238E27FC236}">
-                <a16:creationId xmlns:a16="http://schemas.microsoft.com/office/drawing/2014/main" xmlns="" id="{796D5DB0-3283-4DC8-9BF1-CF78986375B5}"/>
+                <a16:creationId xmlns="" xmlns:a16="http://schemas.microsoft.com/office/drawing/2014/main" id="{796D5DB0-3283-4DC8-9BF1-CF78986375B5}"/>
               </a:ext>
             </a:extLst>
           </p:cNvPr>
@@ -40406,7 +40712,7 @@
           <p:cNvPr id="48" name="正方形/長方形 47">
             <a:extLst>
               <a:ext uri="{FF2B5EF4-FFF2-40B4-BE49-F238E27FC236}">
-                <a16:creationId xmlns:a16="http://schemas.microsoft.com/office/drawing/2014/main" xmlns="" id="{8A93466A-9820-4934-AB85-08649E371589}"/>
+                <a16:creationId xmlns="" xmlns:a16="http://schemas.microsoft.com/office/drawing/2014/main" id="{8A93466A-9820-4934-AB85-08649E371589}"/>
               </a:ext>
             </a:extLst>
           </p:cNvPr>
@@ -40460,7 +40766,7 @@
           <p:cNvPr id="49" name="正方形/長方形 48">
             <a:extLst>
               <a:ext uri="{FF2B5EF4-FFF2-40B4-BE49-F238E27FC236}">
-                <a16:creationId xmlns:a16="http://schemas.microsoft.com/office/drawing/2014/main" xmlns="" id="{0184FD08-1D4A-4CB3-8F0B-5266495370F5}"/>
+                <a16:creationId xmlns="" xmlns:a16="http://schemas.microsoft.com/office/drawing/2014/main" id="{0184FD08-1D4A-4CB3-8F0B-5266495370F5}"/>
               </a:ext>
             </a:extLst>
           </p:cNvPr>
@@ -40514,7 +40820,7 @@
           <p:cNvPr id="50" name="左中かっこ 49">
             <a:extLst>
               <a:ext uri="{FF2B5EF4-FFF2-40B4-BE49-F238E27FC236}">
-                <a16:creationId xmlns:a16="http://schemas.microsoft.com/office/drawing/2014/main" xmlns="" id="{B116E9C6-F2A2-4384-8B92-8573FC12C188}"/>
+                <a16:creationId xmlns="" xmlns:a16="http://schemas.microsoft.com/office/drawing/2014/main" id="{B116E9C6-F2A2-4384-8B92-8573FC12C188}"/>
               </a:ext>
             </a:extLst>
           </p:cNvPr>
@@ -40570,7 +40876,7 @@
               <p:cNvPr id="51" name="テキスト ボックス 50">
                 <a:extLst>
                   <a:ext uri="{FF2B5EF4-FFF2-40B4-BE49-F238E27FC236}">
-                    <a16:creationId xmlns:a16="http://schemas.microsoft.com/office/drawing/2014/main" xmlns="" id="{2518A1B5-ADAD-481B-81AA-9ADD49951D25}"/>
+                    <a16:creationId xmlns="" xmlns:a16="http://schemas.microsoft.com/office/drawing/2014/main" id="{2518A1B5-ADAD-481B-81AA-9ADD49951D25}"/>
                   </a:ext>
                 </a:extLst>
               </p:cNvPr>
@@ -40664,7 +40970,7 @@
           <p:cNvPr id="70" name="正方形/長方形 69">
             <a:extLst>
               <a:ext uri="{FF2B5EF4-FFF2-40B4-BE49-F238E27FC236}">
-                <a16:creationId xmlns:a16="http://schemas.microsoft.com/office/drawing/2014/main" xmlns="" id="{1DEF8BC5-D083-4C01-A0D5-96116597CA69}"/>
+                <a16:creationId xmlns="" xmlns:a16="http://schemas.microsoft.com/office/drawing/2014/main" id="{1DEF8BC5-D083-4C01-A0D5-96116597CA69}"/>
               </a:ext>
             </a:extLst>
           </p:cNvPr>
@@ -40718,7 +41024,7 @@
           <p:cNvPr id="71" name="正方形/長方形 70">
             <a:extLst>
               <a:ext uri="{FF2B5EF4-FFF2-40B4-BE49-F238E27FC236}">
-                <a16:creationId xmlns:a16="http://schemas.microsoft.com/office/drawing/2014/main" xmlns="" id="{AA8EEDAC-A267-4783-AFAE-23147B07A897}"/>
+                <a16:creationId xmlns="" xmlns:a16="http://schemas.microsoft.com/office/drawing/2014/main" id="{AA8EEDAC-A267-4783-AFAE-23147B07A897}"/>
               </a:ext>
             </a:extLst>
           </p:cNvPr>
@@ -40772,7 +41078,7 @@
           <p:cNvPr id="72" name="正方形/長方形 71">
             <a:extLst>
               <a:ext uri="{FF2B5EF4-FFF2-40B4-BE49-F238E27FC236}">
-                <a16:creationId xmlns:a16="http://schemas.microsoft.com/office/drawing/2014/main" xmlns="" id="{FD232BA9-DE52-44FC-8F0A-53374997C03B}"/>
+                <a16:creationId xmlns="" xmlns:a16="http://schemas.microsoft.com/office/drawing/2014/main" id="{FD232BA9-DE52-44FC-8F0A-53374997C03B}"/>
               </a:ext>
             </a:extLst>
           </p:cNvPr>
@@ -40826,7 +41132,7 @@
           <p:cNvPr id="73" name="正方形/長方形 72">
             <a:extLst>
               <a:ext uri="{FF2B5EF4-FFF2-40B4-BE49-F238E27FC236}">
-                <a16:creationId xmlns:a16="http://schemas.microsoft.com/office/drawing/2014/main" xmlns="" id="{4C0D0F83-FDC4-4959-9585-4B9D28B03ECF}"/>
+                <a16:creationId xmlns="" xmlns:a16="http://schemas.microsoft.com/office/drawing/2014/main" id="{4C0D0F83-FDC4-4959-9585-4B9D28B03ECF}"/>
               </a:ext>
             </a:extLst>
           </p:cNvPr>
@@ -40880,7 +41186,7 @@
           <p:cNvPr id="74" name="正方形/長方形 73">
             <a:extLst>
               <a:ext uri="{FF2B5EF4-FFF2-40B4-BE49-F238E27FC236}">
-                <a16:creationId xmlns:a16="http://schemas.microsoft.com/office/drawing/2014/main" xmlns="" id="{086A38B3-B2F2-4E3C-B738-5F08FC4F5B52}"/>
+                <a16:creationId xmlns="" xmlns:a16="http://schemas.microsoft.com/office/drawing/2014/main" id="{086A38B3-B2F2-4E3C-B738-5F08FC4F5B52}"/>
               </a:ext>
             </a:extLst>
           </p:cNvPr>
@@ -40934,7 +41240,7 @@
           <p:cNvPr id="75" name="正方形/長方形 74">
             <a:extLst>
               <a:ext uri="{FF2B5EF4-FFF2-40B4-BE49-F238E27FC236}">
-                <a16:creationId xmlns:a16="http://schemas.microsoft.com/office/drawing/2014/main" xmlns="" id="{128C4773-EB1E-4102-A243-4FE618C1065C}"/>
+                <a16:creationId xmlns="" xmlns:a16="http://schemas.microsoft.com/office/drawing/2014/main" id="{128C4773-EB1E-4102-A243-4FE618C1065C}"/>
               </a:ext>
             </a:extLst>
           </p:cNvPr>
@@ -40988,7 +41294,7 @@
           <p:cNvPr id="76" name="正方形/長方形 75">
             <a:extLst>
               <a:ext uri="{FF2B5EF4-FFF2-40B4-BE49-F238E27FC236}">
-                <a16:creationId xmlns:a16="http://schemas.microsoft.com/office/drawing/2014/main" xmlns="" id="{FBF1E725-53AE-4BF6-990D-CFF61B47927C}"/>
+                <a16:creationId xmlns="" xmlns:a16="http://schemas.microsoft.com/office/drawing/2014/main" id="{FBF1E725-53AE-4BF6-990D-CFF61B47927C}"/>
               </a:ext>
             </a:extLst>
           </p:cNvPr>
@@ -41042,7 +41348,7 @@
           <p:cNvPr id="77" name="正方形/長方形 76">
             <a:extLst>
               <a:ext uri="{FF2B5EF4-FFF2-40B4-BE49-F238E27FC236}">
-                <a16:creationId xmlns:a16="http://schemas.microsoft.com/office/drawing/2014/main" xmlns="" id="{526CEA94-7865-4B43-954D-BAACCD92D510}"/>
+                <a16:creationId xmlns="" xmlns:a16="http://schemas.microsoft.com/office/drawing/2014/main" id="{526CEA94-7865-4B43-954D-BAACCD92D510}"/>
               </a:ext>
             </a:extLst>
           </p:cNvPr>
@@ -41096,7 +41402,7 @@
           <p:cNvPr id="78" name="正方形/長方形 77">
             <a:extLst>
               <a:ext uri="{FF2B5EF4-FFF2-40B4-BE49-F238E27FC236}">
-                <a16:creationId xmlns:a16="http://schemas.microsoft.com/office/drawing/2014/main" xmlns="" id="{00EBA9C3-1DC2-4CC6-953C-EF70C5B037CE}"/>
+                <a16:creationId xmlns="" xmlns:a16="http://schemas.microsoft.com/office/drawing/2014/main" id="{00EBA9C3-1DC2-4CC6-953C-EF70C5B037CE}"/>
               </a:ext>
             </a:extLst>
           </p:cNvPr>
@@ -41150,7 +41456,7 @@
           <p:cNvPr id="79" name="正方形/長方形 78">
             <a:extLst>
               <a:ext uri="{FF2B5EF4-FFF2-40B4-BE49-F238E27FC236}">
-                <a16:creationId xmlns:a16="http://schemas.microsoft.com/office/drawing/2014/main" xmlns="" id="{49792AA7-0804-46A6-8B00-42E30C901E0E}"/>
+                <a16:creationId xmlns="" xmlns:a16="http://schemas.microsoft.com/office/drawing/2014/main" id="{49792AA7-0804-46A6-8B00-42E30C901E0E}"/>
               </a:ext>
             </a:extLst>
           </p:cNvPr>
@@ -41204,7 +41510,7 @@
           <p:cNvPr id="80" name="左中かっこ 79">
             <a:extLst>
               <a:ext uri="{FF2B5EF4-FFF2-40B4-BE49-F238E27FC236}">
-                <a16:creationId xmlns:a16="http://schemas.microsoft.com/office/drawing/2014/main" xmlns="" id="{01213655-2CAE-4F2A-A246-09534A6F722A}"/>
+                <a16:creationId xmlns="" xmlns:a16="http://schemas.microsoft.com/office/drawing/2014/main" id="{01213655-2CAE-4F2A-A246-09534A6F722A}"/>
               </a:ext>
             </a:extLst>
           </p:cNvPr>
@@ -41260,7 +41566,7 @@
               <p:cNvPr id="81" name="テキスト ボックス 80">
                 <a:extLst>
                   <a:ext uri="{FF2B5EF4-FFF2-40B4-BE49-F238E27FC236}">
-                    <a16:creationId xmlns:a16="http://schemas.microsoft.com/office/drawing/2014/main" xmlns="" id="{7ACB828F-0E34-405E-A0A7-647487B4B01A}"/>
+                    <a16:creationId xmlns="" xmlns:a16="http://schemas.microsoft.com/office/drawing/2014/main" id="{7ACB828F-0E34-405E-A0A7-647487B4B01A}"/>
                   </a:ext>
                 </a:extLst>
               </p:cNvPr>
@@ -41354,7 +41660,7 @@
           <p:cNvPr id="82" name="左中かっこ 81">
             <a:extLst>
               <a:ext uri="{FF2B5EF4-FFF2-40B4-BE49-F238E27FC236}">
-                <a16:creationId xmlns:a16="http://schemas.microsoft.com/office/drawing/2014/main" xmlns="" id="{915C22AF-7991-45AC-9CF5-189C6E279439}"/>
+                <a16:creationId xmlns="" xmlns:a16="http://schemas.microsoft.com/office/drawing/2014/main" id="{915C22AF-7991-45AC-9CF5-189C6E279439}"/>
               </a:ext>
             </a:extLst>
           </p:cNvPr>
@@ -41410,7 +41716,7 @@
               <p:cNvPr id="83" name="テキスト ボックス 82">
                 <a:extLst>
                   <a:ext uri="{FF2B5EF4-FFF2-40B4-BE49-F238E27FC236}">
-                    <a16:creationId xmlns:a16="http://schemas.microsoft.com/office/drawing/2014/main" xmlns="" id="{27ACFBE9-65D8-4249-999F-1BAF510D5B60}"/>
+                    <a16:creationId xmlns="" xmlns:a16="http://schemas.microsoft.com/office/drawing/2014/main" id="{27ACFBE9-65D8-4249-999F-1BAF510D5B60}"/>
                   </a:ext>
                 </a:extLst>
               </p:cNvPr>
@@ -41504,7 +41810,7 @@
           <p:cNvPr id="84" name="左中かっこ 83">
             <a:extLst>
               <a:ext uri="{FF2B5EF4-FFF2-40B4-BE49-F238E27FC236}">
-                <a16:creationId xmlns:a16="http://schemas.microsoft.com/office/drawing/2014/main" xmlns="" id="{23FCFBB2-DBE9-466B-BAA9-8647A58F2D8B}"/>
+                <a16:creationId xmlns="" xmlns:a16="http://schemas.microsoft.com/office/drawing/2014/main" id="{23FCFBB2-DBE9-466B-BAA9-8647A58F2D8B}"/>
               </a:ext>
             </a:extLst>
           </p:cNvPr>
@@ -41560,7 +41866,7 @@
               <p:cNvPr id="85" name="テキスト ボックス 84">
                 <a:extLst>
                   <a:ext uri="{FF2B5EF4-FFF2-40B4-BE49-F238E27FC236}">
-                    <a16:creationId xmlns:a16="http://schemas.microsoft.com/office/drawing/2014/main" xmlns="" id="{8312476B-863B-4CF8-91D7-D8B43F4D2DEC}"/>
+                    <a16:creationId xmlns="" xmlns:a16="http://schemas.microsoft.com/office/drawing/2014/main" id="{8312476B-863B-4CF8-91D7-D8B43F4D2DEC}"/>
                   </a:ext>
                 </a:extLst>
               </p:cNvPr>
@@ -41654,7 +41960,7 @@
           <p:cNvPr id="86" name="左中かっこ 85">
             <a:extLst>
               <a:ext uri="{FF2B5EF4-FFF2-40B4-BE49-F238E27FC236}">
-                <a16:creationId xmlns:a16="http://schemas.microsoft.com/office/drawing/2014/main" xmlns="" id="{68686C68-E8E2-4CA2-9600-065410CD03D7}"/>
+                <a16:creationId xmlns="" xmlns:a16="http://schemas.microsoft.com/office/drawing/2014/main" id="{68686C68-E8E2-4CA2-9600-065410CD03D7}"/>
               </a:ext>
             </a:extLst>
           </p:cNvPr>
@@ -41710,7 +42016,7 @@
               <p:cNvPr id="87" name="テキスト ボックス 86">
                 <a:extLst>
                   <a:ext uri="{FF2B5EF4-FFF2-40B4-BE49-F238E27FC236}">
-                    <a16:creationId xmlns:a16="http://schemas.microsoft.com/office/drawing/2014/main" xmlns="" id="{CEE38AA9-94C8-42EA-89BC-4E190599D96F}"/>
+                    <a16:creationId xmlns="" xmlns:a16="http://schemas.microsoft.com/office/drawing/2014/main" id="{CEE38AA9-94C8-42EA-89BC-4E190599D96F}"/>
                   </a:ext>
                 </a:extLst>
               </p:cNvPr>
@@ -43280,7 +43586,7 @@
           <p:cNvPr id="9" name="四角形: 角を丸くする 8">
             <a:extLst>
               <a:ext uri="{FF2B5EF4-FFF2-40B4-BE49-F238E27FC236}">
-                <a16:creationId xmlns:a16="http://schemas.microsoft.com/office/drawing/2014/main" xmlns="" id="{A927E002-D402-4404-B465-C66B3CA0253D}"/>
+                <a16:creationId xmlns="" xmlns:a16="http://schemas.microsoft.com/office/drawing/2014/main" id="{A927E002-D402-4404-B465-C66B3CA0253D}"/>
               </a:ext>
             </a:extLst>
           </p:cNvPr>
@@ -43331,7 +43637,7 @@
           <p:cNvPr id="10" name="正方形/長方形 9">
             <a:extLst>
               <a:ext uri="{FF2B5EF4-FFF2-40B4-BE49-F238E27FC236}">
-                <a16:creationId xmlns:a16="http://schemas.microsoft.com/office/drawing/2014/main" xmlns="" id="{9F89E3D3-4663-4D0D-92A6-E571D1FB6F59}"/>
+                <a16:creationId xmlns="" xmlns:a16="http://schemas.microsoft.com/office/drawing/2014/main" id="{9F89E3D3-4663-4D0D-92A6-E571D1FB6F59}"/>
               </a:ext>
             </a:extLst>
           </p:cNvPr>
@@ -43365,7 +43671,7 @@
           <p:cNvPr id="34" name="四角形: 角を丸くする 33">
             <a:extLst>
               <a:ext uri="{FF2B5EF4-FFF2-40B4-BE49-F238E27FC236}">
-                <a16:creationId xmlns:a16="http://schemas.microsoft.com/office/drawing/2014/main" xmlns="" id="{53A89F8F-732F-4555-8E2F-F4E8D25ADC9D}"/>
+                <a16:creationId xmlns="" xmlns:a16="http://schemas.microsoft.com/office/drawing/2014/main" id="{53A89F8F-732F-4555-8E2F-F4E8D25ADC9D}"/>
               </a:ext>
             </a:extLst>
           </p:cNvPr>
@@ -43419,7 +43725,7 @@
           <p:cNvPr id="35" name="正方形/長方形 34">
             <a:extLst>
               <a:ext uri="{FF2B5EF4-FFF2-40B4-BE49-F238E27FC236}">
-                <a16:creationId xmlns:a16="http://schemas.microsoft.com/office/drawing/2014/main" xmlns="" id="{3FBC0EDE-436B-46E1-88FB-A8CA0A601E84}"/>
+                <a16:creationId xmlns="" xmlns:a16="http://schemas.microsoft.com/office/drawing/2014/main" id="{3FBC0EDE-436B-46E1-88FB-A8CA0A601E84}"/>
               </a:ext>
             </a:extLst>
           </p:cNvPr>
@@ -43453,7 +43759,7 @@
           <p:cNvPr id="36" name="四角形: 角を丸くする 8">
             <a:extLst>
               <a:ext uri="{FF2B5EF4-FFF2-40B4-BE49-F238E27FC236}">
-                <a16:creationId xmlns:a16="http://schemas.microsoft.com/office/drawing/2014/main" xmlns="" id="{A927E002-D402-4404-B465-C66B3CA0253D}"/>
+                <a16:creationId xmlns="" xmlns:a16="http://schemas.microsoft.com/office/drawing/2014/main" id="{A927E002-D402-4404-B465-C66B3CA0253D}"/>
               </a:ext>
             </a:extLst>
           </p:cNvPr>
@@ -43504,7 +43810,7 @@
           <p:cNvPr id="37" name="四角形: 角を丸くする 33">
             <a:extLst>
               <a:ext uri="{FF2B5EF4-FFF2-40B4-BE49-F238E27FC236}">
-                <a16:creationId xmlns:a16="http://schemas.microsoft.com/office/drawing/2014/main" xmlns="" id="{53A89F8F-732F-4555-8E2F-F4E8D25ADC9D}"/>
+                <a16:creationId xmlns="" xmlns:a16="http://schemas.microsoft.com/office/drawing/2014/main" id="{53A89F8F-732F-4555-8E2F-F4E8D25ADC9D}"/>
               </a:ext>
             </a:extLst>
           </p:cNvPr>
@@ -45499,7 +45805,7 @@
           <p:cNvPr id="10" name="正方形/長方形 9">
             <a:extLst>
               <a:ext uri="{FF2B5EF4-FFF2-40B4-BE49-F238E27FC236}">
-                <a16:creationId xmlns:a16="http://schemas.microsoft.com/office/drawing/2014/main" xmlns="" id="{9F89E3D3-4663-4D0D-92A6-E571D1FB6F59}"/>
+                <a16:creationId xmlns="" xmlns:a16="http://schemas.microsoft.com/office/drawing/2014/main" id="{9F89E3D3-4663-4D0D-92A6-E571D1FB6F59}"/>
               </a:ext>
             </a:extLst>
           </p:cNvPr>
@@ -45533,7 +45839,7 @@
           <p:cNvPr id="35" name="正方形/長方形 34">
             <a:extLst>
               <a:ext uri="{FF2B5EF4-FFF2-40B4-BE49-F238E27FC236}">
-                <a16:creationId xmlns:a16="http://schemas.microsoft.com/office/drawing/2014/main" xmlns="" id="{3FBC0EDE-436B-46E1-88FB-A8CA0A601E84}"/>
+                <a16:creationId xmlns="" xmlns:a16="http://schemas.microsoft.com/office/drawing/2014/main" id="{3FBC0EDE-436B-46E1-88FB-A8CA0A601E84}"/>
               </a:ext>
             </a:extLst>
           </p:cNvPr>
@@ -46160,7 +46466,7 @@
           <p:cNvPr id="2" name="タイトル 1">
             <a:extLst>
               <a:ext uri="{FF2B5EF4-FFF2-40B4-BE49-F238E27FC236}">
-                <a16:creationId xmlns:a16="http://schemas.microsoft.com/office/drawing/2014/main" xmlns="" id="{41535765-B8CD-42B8-8BAA-B723F776226B}"/>
+                <a16:creationId xmlns="" xmlns:a16="http://schemas.microsoft.com/office/drawing/2014/main" id="{41535765-B8CD-42B8-8BAA-B723F776226B}"/>
               </a:ext>
             </a:extLst>
           </p:cNvPr>
@@ -46188,7 +46494,7 @@
           <p:cNvPr id="4" name="スライド番号プレースホルダー 3">
             <a:extLst>
               <a:ext uri="{FF2B5EF4-FFF2-40B4-BE49-F238E27FC236}">
-                <a16:creationId xmlns:a16="http://schemas.microsoft.com/office/drawing/2014/main" xmlns="" id="{2EE84A0E-C162-43BE-9803-6B082716F1B2}"/>
+                <a16:creationId xmlns="" xmlns:a16="http://schemas.microsoft.com/office/drawing/2014/main" id="{2EE84A0E-C162-43BE-9803-6B082716F1B2}"/>
               </a:ext>
             </a:extLst>
           </p:cNvPr>
@@ -46220,7 +46526,7 @@
               <p:cNvPr id="8" name="コンテンツ プレースホルダー 4">
                 <a:extLst>
                   <a:ext uri="{FF2B5EF4-FFF2-40B4-BE49-F238E27FC236}">
-                    <a16:creationId xmlns:a16="http://schemas.microsoft.com/office/drawing/2014/main" xmlns="" id="{771E7EDC-65C6-46D7-A3E5-DE4668338813}"/>
+                    <a16:creationId xmlns="" xmlns:a16="http://schemas.microsoft.com/office/drawing/2014/main" id="{771E7EDC-65C6-46D7-A3E5-DE4668338813}"/>
                   </a:ext>
                 </a:extLst>
               </p:cNvPr>
@@ -46250,14 +46556,14 @@
                     <a:gridCol w="5450477">
                       <a:extLst>
                         <a:ext uri="{9D8B030D-6E8A-4147-A177-3AD203B41FA5}">
-                          <a16:colId xmlns:a16="http://schemas.microsoft.com/office/drawing/2014/main" xmlns="" val="20000"/>
+                          <a16:colId xmlns="" xmlns:a16="http://schemas.microsoft.com/office/drawing/2014/main" val="20000"/>
                         </a:ext>
                       </a:extLst>
                     </a:gridCol>
                     <a:gridCol w="2916283">
                       <a:extLst>
                         <a:ext uri="{9D8B030D-6E8A-4147-A177-3AD203B41FA5}">
-                          <a16:colId xmlns:a16="http://schemas.microsoft.com/office/drawing/2014/main" xmlns="" val="20001"/>
+                          <a16:colId xmlns="" xmlns:a16="http://schemas.microsoft.com/office/drawing/2014/main" val="20001"/>
                         </a:ext>
                       </a:extLst>
                     </a:gridCol>
@@ -46293,7 +46599,7 @@
                     </a:tc>
                     <a:extLst>
                       <a:ext uri="{0D108BD9-81ED-4DB2-BD59-A6C34878D82A}">
-                        <a16:rowId xmlns:a16="http://schemas.microsoft.com/office/drawing/2014/main" xmlns="" val="10000"/>
+                        <a16:rowId xmlns="" xmlns:a16="http://schemas.microsoft.com/office/drawing/2014/main" val="10000"/>
                       </a:ext>
                     </a:extLst>
                   </a:tr>
@@ -46601,7 +46907,7 @@
                     </a:tc>
                     <a:extLst>
                       <a:ext uri="{0D108BD9-81ED-4DB2-BD59-A6C34878D82A}">
-                        <a16:rowId xmlns:a16="http://schemas.microsoft.com/office/drawing/2014/main" xmlns="" val="10001"/>
+                        <a16:rowId xmlns="" xmlns:a16="http://schemas.microsoft.com/office/drawing/2014/main" val="10001"/>
                       </a:ext>
                     </a:extLst>
                   </a:tr>
@@ -46803,7 +47109,7 @@
           <p:cNvPr id="9" name="コンテンツ プレースホルダー 2">
             <a:extLst>
               <a:ext uri="{FF2B5EF4-FFF2-40B4-BE49-F238E27FC236}">
-                <a16:creationId xmlns:a16="http://schemas.microsoft.com/office/drawing/2014/main" xmlns="" id="{48653C05-27D4-43D2-9EA1-15D8BA298E50}"/>
+                <a16:creationId xmlns="" xmlns:a16="http://schemas.microsoft.com/office/drawing/2014/main" id="{48653C05-27D4-43D2-9EA1-15D8BA298E50}"/>
               </a:ext>
             </a:extLst>
           </p:cNvPr>
@@ -47013,7 +47319,7 @@
             <p:cNvPr id="6" name="直線コネクタ 5">
               <a:extLst>
                 <a:ext uri="{FF2B5EF4-FFF2-40B4-BE49-F238E27FC236}">
-                  <a16:creationId xmlns:a16="http://schemas.microsoft.com/office/drawing/2014/main" xmlns="" id="{9D5757A3-4452-4919-83E6-B7B8110911E4}"/>
+                  <a16:creationId xmlns="" xmlns:a16="http://schemas.microsoft.com/office/drawing/2014/main" id="{9D5757A3-4452-4919-83E6-B7B8110911E4}"/>
                 </a:ext>
               </a:extLst>
             </p:cNvPr>
@@ -47063,7 +47369,7 @@
             <p:cNvPr id="7" name="直線コネクタ 6">
               <a:extLst>
                 <a:ext uri="{FF2B5EF4-FFF2-40B4-BE49-F238E27FC236}">
-                  <a16:creationId xmlns:a16="http://schemas.microsoft.com/office/drawing/2014/main" xmlns="" id="{99384BF3-97B7-4405-B266-0ACEC5462D37}"/>
+                  <a16:creationId xmlns="" xmlns:a16="http://schemas.microsoft.com/office/drawing/2014/main" id="{99384BF3-97B7-4405-B266-0ACEC5462D37}"/>
                 </a:ext>
               </a:extLst>
             </p:cNvPr>
@@ -47113,7 +47419,7 @@
             <p:cNvPr id="10" name="直線コネクタ 9">
               <a:extLst>
                 <a:ext uri="{FF2B5EF4-FFF2-40B4-BE49-F238E27FC236}">
-                  <a16:creationId xmlns:a16="http://schemas.microsoft.com/office/drawing/2014/main" xmlns="" id="{6627B5D7-394D-4D77-A139-AF8D0D1CFC58}"/>
+                  <a16:creationId xmlns="" xmlns:a16="http://schemas.microsoft.com/office/drawing/2014/main" id="{6627B5D7-394D-4D77-A139-AF8D0D1CFC58}"/>
                 </a:ext>
               </a:extLst>
             </p:cNvPr>
@@ -47163,7 +47469,7 @@
             <p:cNvPr id="11" name="直線コネクタ 10">
               <a:extLst>
                 <a:ext uri="{FF2B5EF4-FFF2-40B4-BE49-F238E27FC236}">
-                  <a16:creationId xmlns:a16="http://schemas.microsoft.com/office/drawing/2014/main" xmlns="" id="{09C8680A-62E6-4B81-8D4D-062E6740D495}"/>
+                  <a16:creationId xmlns="" xmlns:a16="http://schemas.microsoft.com/office/drawing/2014/main" id="{09C8680A-62E6-4B81-8D4D-062E6740D495}"/>
                 </a:ext>
               </a:extLst>
             </p:cNvPr>
@@ -47213,7 +47519,7 @@
             <p:cNvPr id="12" name="直線コネクタ 11">
               <a:extLst>
                 <a:ext uri="{FF2B5EF4-FFF2-40B4-BE49-F238E27FC236}">
-                  <a16:creationId xmlns:a16="http://schemas.microsoft.com/office/drawing/2014/main" xmlns="" id="{9E23E653-70A9-4AC1-8AE6-5EDF750EC15A}"/>
+                  <a16:creationId xmlns="" xmlns:a16="http://schemas.microsoft.com/office/drawing/2014/main" id="{9E23E653-70A9-4AC1-8AE6-5EDF750EC15A}"/>
                 </a:ext>
               </a:extLst>
             </p:cNvPr>
@@ -47263,7 +47569,7 @@
             <p:cNvPr id="13" name="直線コネクタ 12">
               <a:extLst>
                 <a:ext uri="{FF2B5EF4-FFF2-40B4-BE49-F238E27FC236}">
-                  <a16:creationId xmlns:a16="http://schemas.microsoft.com/office/drawing/2014/main" xmlns="" id="{FA98E4C6-EA5B-4CF5-A3E9-026FA4F8FFAB}"/>
+                  <a16:creationId xmlns="" xmlns:a16="http://schemas.microsoft.com/office/drawing/2014/main" id="{FA98E4C6-EA5B-4CF5-A3E9-026FA4F8FFAB}"/>
                 </a:ext>
               </a:extLst>
             </p:cNvPr>
@@ -47313,7 +47619,7 @@
             <p:cNvPr id="14" name="直線コネクタ 13">
               <a:extLst>
                 <a:ext uri="{FF2B5EF4-FFF2-40B4-BE49-F238E27FC236}">
-                  <a16:creationId xmlns:a16="http://schemas.microsoft.com/office/drawing/2014/main" xmlns="" id="{354FCEC6-D073-488D-84A5-339CAF404D69}"/>
+                  <a16:creationId xmlns="" xmlns:a16="http://schemas.microsoft.com/office/drawing/2014/main" id="{354FCEC6-D073-488D-84A5-339CAF404D69}"/>
                 </a:ext>
               </a:extLst>
             </p:cNvPr>
@@ -47363,7 +47669,7 @@
             <p:cNvPr id="15" name="楕円 58">
               <a:extLst>
                 <a:ext uri="{FF2B5EF4-FFF2-40B4-BE49-F238E27FC236}">
-                  <a16:creationId xmlns:a16="http://schemas.microsoft.com/office/drawing/2014/main" xmlns="" id="{CAF5F06A-62DD-4515-A308-664C7C19DF14}"/>
+                  <a16:creationId xmlns="" xmlns:a16="http://schemas.microsoft.com/office/drawing/2014/main" id="{CAF5F06A-62DD-4515-A308-664C7C19DF14}"/>
                 </a:ext>
               </a:extLst>
             </p:cNvPr>
@@ -47416,7 +47722,7 @@
             <p:cNvPr id="16" name="直線コネクタ 15">
               <a:extLst>
                 <a:ext uri="{FF2B5EF4-FFF2-40B4-BE49-F238E27FC236}">
-                  <a16:creationId xmlns:a16="http://schemas.microsoft.com/office/drawing/2014/main" xmlns="" id="{439191A5-0CF9-4607-AEF2-979823DA2B71}"/>
+                  <a16:creationId xmlns="" xmlns:a16="http://schemas.microsoft.com/office/drawing/2014/main" id="{439191A5-0CF9-4607-AEF2-979823DA2B71}"/>
                 </a:ext>
               </a:extLst>
             </p:cNvPr>
@@ -47466,7 +47772,7 @@
             <p:cNvPr id="17" name="直線コネクタ 16">
               <a:extLst>
                 <a:ext uri="{FF2B5EF4-FFF2-40B4-BE49-F238E27FC236}">
-                  <a16:creationId xmlns:a16="http://schemas.microsoft.com/office/drawing/2014/main" xmlns="" id="{3B2F1349-7B46-4195-B337-4F79EC0A541E}"/>
+                  <a16:creationId xmlns="" xmlns:a16="http://schemas.microsoft.com/office/drawing/2014/main" id="{3B2F1349-7B46-4195-B337-4F79EC0A541E}"/>
                 </a:ext>
               </a:extLst>
             </p:cNvPr>
@@ -47516,7 +47822,7 @@
             <p:cNvPr id="18" name="直線コネクタ 17">
               <a:extLst>
                 <a:ext uri="{FF2B5EF4-FFF2-40B4-BE49-F238E27FC236}">
-                  <a16:creationId xmlns:a16="http://schemas.microsoft.com/office/drawing/2014/main" xmlns="" id="{2269F720-6D91-4FD1-83A9-1EC7AB3A2EE7}"/>
+                  <a16:creationId xmlns="" xmlns:a16="http://schemas.microsoft.com/office/drawing/2014/main" id="{2269F720-6D91-4FD1-83A9-1EC7AB3A2EE7}"/>
                 </a:ext>
               </a:extLst>
             </p:cNvPr>
@@ -47566,7 +47872,7 @@
             <p:cNvPr id="19" name="グループ化 18">
               <a:extLst>
                 <a:ext uri="{FF2B5EF4-FFF2-40B4-BE49-F238E27FC236}">
-                  <a16:creationId xmlns:a16="http://schemas.microsoft.com/office/drawing/2014/main" xmlns="" id="{31D3EDC0-ADA6-4FD5-ABD7-AD25E89DC0EA}"/>
+                  <a16:creationId xmlns="" xmlns:a16="http://schemas.microsoft.com/office/drawing/2014/main" id="{31D3EDC0-ADA6-4FD5-ABD7-AD25E89DC0EA}"/>
                 </a:ext>
               </a:extLst>
             </p:cNvPr>
@@ -47586,7 +47892,7 @@
               <p:cNvPr id="20" name="正方形/長方形 19">
                 <a:extLst>
                   <a:ext uri="{FF2B5EF4-FFF2-40B4-BE49-F238E27FC236}">
-                    <a16:creationId xmlns:a16="http://schemas.microsoft.com/office/drawing/2014/main" xmlns="" id="{A661A959-B924-4883-9FD3-22C58E65CA7D}"/>
+                    <a16:creationId xmlns="" xmlns:a16="http://schemas.microsoft.com/office/drawing/2014/main" id="{A661A959-B924-4883-9FD3-22C58E65CA7D}"/>
                   </a:ext>
                 </a:extLst>
               </p:cNvPr>
@@ -47640,7 +47946,7 @@
               <p:cNvPr id="21" name="正方形/長方形 20">
                 <a:extLst>
                   <a:ext uri="{FF2B5EF4-FFF2-40B4-BE49-F238E27FC236}">
-                    <a16:creationId xmlns:a16="http://schemas.microsoft.com/office/drawing/2014/main" xmlns="" id="{990FBC94-E02E-4887-938B-DF332AB99DB1}"/>
+                    <a16:creationId xmlns="" xmlns:a16="http://schemas.microsoft.com/office/drawing/2014/main" id="{990FBC94-E02E-4887-938B-DF332AB99DB1}"/>
                   </a:ext>
                 </a:extLst>
               </p:cNvPr>
@@ -47694,7 +48000,7 @@
               <p:cNvPr id="22" name="正方形/長方形 21">
                 <a:extLst>
                   <a:ext uri="{FF2B5EF4-FFF2-40B4-BE49-F238E27FC236}">
-                    <a16:creationId xmlns:a16="http://schemas.microsoft.com/office/drawing/2014/main" xmlns="" id="{6F90078C-2BC3-4E58-9828-0BCBE41AD42B}"/>
+                    <a16:creationId xmlns="" xmlns:a16="http://schemas.microsoft.com/office/drawing/2014/main" id="{6F90078C-2BC3-4E58-9828-0BCBE41AD42B}"/>
                   </a:ext>
                 </a:extLst>
               </p:cNvPr>
@@ -47748,7 +48054,7 @@
               <p:cNvPr id="23" name="正方形/長方形 22">
                 <a:extLst>
                   <a:ext uri="{FF2B5EF4-FFF2-40B4-BE49-F238E27FC236}">
-                    <a16:creationId xmlns:a16="http://schemas.microsoft.com/office/drawing/2014/main" xmlns="" id="{1CACF588-E3F8-4DB7-95CA-B14E179FE0D7}"/>
+                    <a16:creationId xmlns="" xmlns:a16="http://schemas.microsoft.com/office/drawing/2014/main" id="{1CACF588-E3F8-4DB7-95CA-B14E179FE0D7}"/>
                   </a:ext>
                 </a:extLst>
               </p:cNvPr>
@@ -47802,7 +48108,7 @@
               <p:cNvPr id="24" name="正方形/長方形 23">
                 <a:extLst>
                   <a:ext uri="{FF2B5EF4-FFF2-40B4-BE49-F238E27FC236}">
-                    <a16:creationId xmlns:a16="http://schemas.microsoft.com/office/drawing/2014/main" xmlns="" id="{672D50EA-3F13-49BA-8EDE-5DFE79988877}"/>
+                    <a16:creationId xmlns="" xmlns:a16="http://schemas.microsoft.com/office/drawing/2014/main" id="{672D50EA-3F13-49BA-8EDE-5DFE79988877}"/>
                   </a:ext>
                 </a:extLst>
               </p:cNvPr>
@@ -47856,7 +48162,7 @@
               <p:cNvPr id="25" name="正方形/長方形 24">
                 <a:extLst>
                   <a:ext uri="{FF2B5EF4-FFF2-40B4-BE49-F238E27FC236}">
-                    <a16:creationId xmlns:a16="http://schemas.microsoft.com/office/drawing/2014/main" xmlns="" id="{4267F393-F1D6-4C22-ADF9-84A57B0D6DD5}"/>
+                    <a16:creationId xmlns="" xmlns:a16="http://schemas.microsoft.com/office/drawing/2014/main" id="{4267F393-F1D6-4C22-ADF9-84A57B0D6DD5}"/>
                   </a:ext>
                 </a:extLst>
               </p:cNvPr>
@@ -47910,7 +48216,7 @@
               <p:cNvPr id="26" name="正方形/長方形 25">
                 <a:extLst>
                   <a:ext uri="{FF2B5EF4-FFF2-40B4-BE49-F238E27FC236}">
-                    <a16:creationId xmlns:a16="http://schemas.microsoft.com/office/drawing/2014/main" xmlns="" id="{3D5176FB-86C6-4F2F-A6C4-E8E212DD8156}"/>
+                    <a16:creationId xmlns="" xmlns:a16="http://schemas.microsoft.com/office/drawing/2014/main" id="{3D5176FB-86C6-4F2F-A6C4-E8E212DD8156}"/>
                   </a:ext>
                 </a:extLst>
               </p:cNvPr>
@@ -47964,7 +48270,7 @@
               <p:cNvPr id="27" name="正方形/長方形 26">
                 <a:extLst>
                   <a:ext uri="{FF2B5EF4-FFF2-40B4-BE49-F238E27FC236}">
-                    <a16:creationId xmlns:a16="http://schemas.microsoft.com/office/drawing/2014/main" xmlns="" id="{2E8BE774-06BA-4E7D-AFEB-D9E70CA00A13}"/>
+                    <a16:creationId xmlns="" xmlns:a16="http://schemas.microsoft.com/office/drawing/2014/main" id="{2E8BE774-06BA-4E7D-AFEB-D9E70CA00A13}"/>
                   </a:ext>
                 </a:extLst>
               </p:cNvPr>
@@ -48018,7 +48324,7 @@
               <p:cNvPr id="28" name="正方形/長方形 27">
                 <a:extLst>
                   <a:ext uri="{FF2B5EF4-FFF2-40B4-BE49-F238E27FC236}">
-                    <a16:creationId xmlns:a16="http://schemas.microsoft.com/office/drawing/2014/main" xmlns="" id="{61882B01-9F47-43E7-BC81-7DC6A08DBCE0}"/>
+                    <a16:creationId xmlns="" xmlns:a16="http://schemas.microsoft.com/office/drawing/2014/main" id="{61882B01-9F47-43E7-BC81-7DC6A08DBCE0}"/>
                   </a:ext>
                 </a:extLst>
               </p:cNvPr>
@@ -48069,7 +48375,7 @@
               <p:cNvPr id="29" name="正方形/長方形 28">
                 <a:extLst>
                   <a:ext uri="{FF2B5EF4-FFF2-40B4-BE49-F238E27FC236}">
-                    <a16:creationId xmlns:a16="http://schemas.microsoft.com/office/drawing/2014/main" xmlns="" id="{9136D697-45CD-4ADF-A316-F03080455D47}"/>
+                    <a16:creationId xmlns="" xmlns:a16="http://schemas.microsoft.com/office/drawing/2014/main" id="{9136D697-45CD-4ADF-A316-F03080455D47}"/>
                   </a:ext>
                 </a:extLst>
               </p:cNvPr>
@@ -48120,7 +48426,7 @@
               <p:cNvPr id="30" name="正方形/長方形 29">
                 <a:extLst>
                   <a:ext uri="{FF2B5EF4-FFF2-40B4-BE49-F238E27FC236}">
-                    <a16:creationId xmlns:a16="http://schemas.microsoft.com/office/drawing/2014/main" xmlns="" id="{CB9F9864-1569-4236-B6C1-E332C2F6EAD5}"/>
+                    <a16:creationId xmlns="" xmlns:a16="http://schemas.microsoft.com/office/drawing/2014/main" id="{CB9F9864-1569-4236-B6C1-E332C2F6EAD5}"/>
                   </a:ext>
                 </a:extLst>
               </p:cNvPr>
@@ -48174,7 +48480,7 @@
               <p:cNvPr id="31" name="正方形/長方形 30">
                 <a:extLst>
                   <a:ext uri="{FF2B5EF4-FFF2-40B4-BE49-F238E27FC236}">
-                    <a16:creationId xmlns:a16="http://schemas.microsoft.com/office/drawing/2014/main" xmlns="" id="{C274D904-02DD-4802-ADBC-4E3B9CD8F6FA}"/>
+                    <a16:creationId xmlns="" xmlns:a16="http://schemas.microsoft.com/office/drawing/2014/main" id="{C274D904-02DD-4802-ADBC-4E3B9CD8F6FA}"/>
                   </a:ext>
                 </a:extLst>
               </p:cNvPr>
@@ -48228,7 +48534,7 @@
               <p:cNvPr id="32" name="正方形/長方形 31">
                 <a:extLst>
                   <a:ext uri="{FF2B5EF4-FFF2-40B4-BE49-F238E27FC236}">
-                    <a16:creationId xmlns:a16="http://schemas.microsoft.com/office/drawing/2014/main" xmlns="" id="{64F97FB4-C4AF-4284-8E19-56429552395E}"/>
+                    <a16:creationId xmlns="" xmlns:a16="http://schemas.microsoft.com/office/drawing/2014/main" id="{64F97FB4-C4AF-4284-8E19-56429552395E}"/>
                   </a:ext>
                 </a:extLst>
               </p:cNvPr>
@@ -48282,7 +48588,7 @@
               <p:cNvPr id="33" name="正方形/長方形 32">
                 <a:extLst>
                   <a:ext uri="{FF2B5EF4-FFF2-40B4-BE49-F238E27FC236}">
-                    <a16:creationId xmlns:a16="http://schemas.microsoft.com/office/drawing/2014/main" xmlns="" id="{1A32E4DE-8DE4-4A39-8385-5CCD942B7CA7}"/>
+                    <a16:creationId xmlns="" xmlns:a16="http://schemas.microsoft.com/office/drawing/2014/main" id="{1A32E4DE-8DE4-4A39-8385-5CCD942B7CA7}"/>
                   </a:ext>
                 </a:extLst>
               </p:cNvPr>
@@ -48336,7 +48642,7 @@
               <p:cNvPr id="34" name="正方形/長方形 33">
                 <a:extLst>
                   <a:ext uri="{FF2B5EF4-FFF2-40B4-BE49-F238E27FC236}">
-                    <a16:creationId xmlns:a16="http://schemas.microsoft.com/office/drawing/2014/main" xmlns="" id="{1FCAB39A-7FDC-415A-BC3C-28F1AF3A9D0D}"/>
+                    <a16:creationId xmlns="" xmlns:a16="http://schemas.microsoft.com/office/drawing/2014/main" id="{1FCAB39A-7FDC-415A-BC3C-28F1AF3A9D0D}"/>
                   </a:ext>
                 </a:extLst>
               </p:cNvPr>
@@ -48390,7 +48696,7 @@
               <p:cNvPr id="35" name="正方形/長方形 34">
                 <a:extLst>
                   <a:ext uri="{FF2B5EF4-FFF2-40B4-BE49-F238E27FC236}">
-                    <a16:creationId xmlns:a16="http://schemas.microsoft.com/office/drawing/2014/main" xmlns="" id="{A37A40C7-4E5E-4E5F-8184-0C92879ACEE0}"/>
+                    <a16:creationId xmlns="" xmlns:a16="http://schemas.microsoft.com/office/drawing/2014/main" id="{A37A40C7-4E5E-4E5F-8184-0C92879ACEE0}"/>
                   </a:ext>
                 </a:extLst>
               </p:cNvPr>
@@ -48441,7 +48747,7 @@
               <p:cNvPr id="36" name="正方形/長方形 35">
                 <a:extLst>
                   <a:ext uri="{FF2B5EF4-FFF2-40B4-BE49-F238E27FC236}">
-                    <a16:creationId xmlns:a16="http://schemas.microsoft.com/office/drawing/2014/main" xmlns="" id="{C74A8CCA-4CDA-4516-9E62-ABC3A075B816}"/>
+                    <a16:creationId xmlns="" xmlns:a16="http://schemas.microsoft.com/office/drawing/2014/main" id="{C74A8CCA-4CDA-4516-9E62-ABC3A075B816}"/>
                   </a:ext>
                 </a:extLst>
               </p:cNvPr>
@@ -48495,7 +48801,7 @@
               <p:cNvPr id="37" name="正方形/長方形 36">
                 <a:extLst>
                   <a:ext uri="{FF2B5EF4-FFF2-40B4-BE49-F238E27FC236}">
-                    <a16:creationId xmlns:a16="http://schemas.microsoft.com/office/drawing/2014/main" xmlns="" id="{817F68F6-7B46-4B4B-AD86-6929E8DABCA4}"/>
+                    <a16:creationId xmlns="" xmlns:a16="http://schemas.microsoft.com/office/drawing/2014/main" id="{817F68F6-7B46-4B4B-AD86-6929E8DABCA4}"/>
                   </a:ext>
                 </a:extLst>
               </p:cNvPr>
@@ -48549,7 +48855,7 @@
               <p:cNvPr id="38" name="正方形/長方形 37">
                 <a:extLst>
                   <a:ext uri="{FF2B5EF4-FFF2-40B4-BE49-F238E27FC236}">
-                    <a16:creationId xmlns:a16="http://schemas.microsoft.com/office/drawing/2014/main" xmlns="" id="{2D8BF6DA-5F56-4C9F-A53A-9BE828C3161C}"/>
+                    <a16:creationId xmlns="" xmlns:a16="http://schemas.microsoft.com/office/drawing/2014/main" id="{2D8BF6DA-5F56-4C9F-A53A-9BE828C3161C}"/>
                   </a:ext>
                 </a:extLst>
               </p:cNvPr>
@@ -48603,7 +48909,7 @@
               <p:cNvPr id="39" name="正方形/長方形 38">
                 <a:extLst>
                   <a:ext uri="{FF2B5EF4-FFF2-40B4-BE49-F238E27FC236}">
-                    <a16:creationId xmlns:a16="http://schemas.microsoft.com/office/drawing/2014/main" xmlns="" id="{2F77F491-C737-4CF3-860B-C028562E43E2}"/>
+                    <a16:creationId xmlns="" xmlns:a16="http://schemas.microsoft.com/office/drawing/2014/main" id="{2F77F491-C737-4CF3-860B-C028562E43E2}"/>
                   </a:ext>
                 </a:extLst>
               </p:cNvPr>
@@ -48657,7 +48963,7 @@
               <p:cNvPr id="40" name="正方形/長方形 39">
                 <a:extLst>
                   <a:ext uri="{FF2B5EF4-FFF2-40B4-BE49-F238E27FC236}">
-                    <a16:creationId xmlns:a16="http://schemas.microsoft.com/office/drawing/2014/main" xmlns="" id="{1E86AD69-B395-4C71-91E4-D2F075279B77}"/>
+                    <a16:creationId xmlns="" xmlns:a16="http://schemas.microsoft.com/office/drawing/2014/main" id="{1E86AD69-B395-4C71-91E4-D2F075279B77}"/>
                   </a:ext>
                 </a:extLst>
               </p:cNvPr>
@@ -48711,7 +49017,7 @@
               <p:cNvPr id="41" name="正方形/長方形 40">
                 <a:extLst>
                   <a:ext uri="{FF2B5EF4-FFF2-40B4-BE49-F238E27FC236}">
-                    <a16:creationId xmlns:a16="http://schemas.microsoft.com/office/drawing/2014/main" xmlns="" id="{DD04A94A-3C4A-402B-8433-BBB06F580630}"/>
+                    <a16:creationId xmlns="" xmlns:a16="http://schemas.microsoft.com/office/drawing/2014/main" id="{DD04A94A-3C4A-402B-8433-BBB06F580630}"/>
                   </a:ext>
                 </a:extLst>
               </p:cNvPr>
@@ -48762,7 +49068,7 @@
               <p:cNvPr id="42" name="正方形/長方形 41">
                 <a:extLst>
                   <a:ext uri="{FF2B5EF4-FFF2-40B4-BE49-F238E27FC236}">
-                    <a16:creationId xmlns:a16="http://schemas.microsoft.com/office/drawing/2014/main" xmlns="" id="{B70DFA64-BD32-4255-8187-648FE4D0501D}"/>
+                    <a16:creationId xmlns="" xmlns:a16="http://schemas.microsoft.com/office/drawing/2014/main" id="{B70DFA64-BD32-4255-8187-648FE4D0501D}"/>
                   </a:ext>
                 </a:extLst>
               </p:cNvPr>
@@ -48816,7 +49122,7 @@
               <p:cNvPr id="43" name="正方形/長方形 42">
                 <a:extLst>
                   <a:ext uri="{FF2B5EF4-FFF2-40B4-BE49-F238E27FC236}">
-                    <a16:creationId xmlns:a16="http://schemas.microsoft.com/office/drawing/2014/main" xmlns="" id="{D8E5A06D-107D-4CDA-B6DE-97D3134F7FB4}"/>
+                    <a16:creationId xmlns="" xmlns:a16="http://schemas.microsoft.com/office/drawing/2014/main" id="{D8E5A06D-107D-4CDA-B6DE-97D3134F7FB4}"/>
                   </a:ext>
                 </a:extLst>
               </p:cNvPr>
@@ -48870,7 +49176,7 @@
               <p:cNvPr id="44" name="正方形/長方形 43">
                 <a:extLst>
                   <a:ext uri="{FF2B5EF4-FFF2-40B4-BE49-F238E27FC236}">
-                    <a16:creationId xmlns:a16="http://schemas.microsoft.com/office/drawing/2014/main" xmlns="" id="{68612419-FB65-4D07-8B78-E30EC5AF1E60}"/>
+                    <a16:creationId xmlns="" xmlns:a16="http://schemas.microsoft.com/office/drawing/2014/main" id="{68612419-FB65-4D07-8B78-E30EC5AF1E60}"/>
                   </a:ext>
                 </a:extLst>
               </p:cNvPr>
@@ -48925,7 +49231,7 @@
             <p:cNvPr id="45" name="楕円 30">
               <a:extLst>
                 <a:ext uri="{FF2B5EF4-FFF2-40B4-BE49-F238E27FC236}">
-                  <a16:creationId xmlns:a16="http://schemas.microsoft.com/office/drawing/2014/main" xmlns="" id="{9F731302-CDAD-4109-9678-5238D0E93073}"/>
+                  <a16:creationId xmlns="" xmlns:a16="http://schemas.microsoft.com/office/drawing/2014/main" id="{9F731302-CDAD-4109-9678-5238D0E93073}"/>
                 </a:ext>
               </a:extLst>
             </p:cNvPr>
@@ -48978,7 +49284,7 @@
             <p:cNvPr id="46" name="楕円 31">
               <a:extLst>
                 <a:ext uri="{FF2B5EF4-FFF2-40B4-BE49-F238E27FC236}">
-                  <a16:creationId xmlns:a16="http://schemas.microsoft.com/office/drawing/2014/main" xmlns="" id="{8DE5CC2E-6BD5-41D2-9BEA-FA4801492C04}"/>
+                  <a16:creationId xmlns="" xmlns:a16="http://schemas.microsoft.com/office/drawing/2014/main" id="{8DE5CC2E-6BD5-41D2-9BEA-FA4801492C04}"/>
                 </a:ext>
               </a:extLst>
             </p:cNvPr>
@@ -49031,7 +49337,7 @@
             <p:cNvPr id="47" name="楕円 32">
               <a:extLst>
                 <a:ext uri="{FF2B5EF4-FFF2-40B4-BE49-F238E27FC236}">
-                  <a16:creationId xmlns:a16="http://schemas.microsoft.com/office/drawing/2014/main" xmlns="" id="{DA81B0B3-5819-4895-BD0C-67623E4FF08A}"/>
+                  <a16:creationId xmlns="" xmlns:a16="http://schemas.microsoft.com/office/drawing/2014/main" id="{DA81B0B3-5819-4895-BD0C-67623E4FF08A}"/>
                 </a:ext>
               </a:extLst>
             </p:cNvPr>
@@ -49084,7 +49390,7 @@
             <p:cNvPr id="48" name="楕円 33">
               <a:extLst>
                 <a:ext uri="{FF2B5EF4-FFF2-40B4-BE49-F238E27FC236}">
-                  <a16:creationId xmlns:a16="http://schemas.microsoft.com/office/drawing/2014/main" xmlns="" id="{832F675F-7CE8-4D49-984D-7FCB862A9D50}"/>
+                  <a16:creationId xmlns="" xmlns:a16="http://schemas.microsoft.com/office/drawing/2014/main" id="{832F675F-7CE8-4D49-984D-7FCB862A9D50}"/>
                 </a:ext>
               </a:extLst>
             </p:cNvPr>
@@ -49137,7 +49443,7 @@
             <p:cNvPr id="49" name="楕円 34">
               <a:extLst>
                 <a:ext uri="{FF2B5EF4-FFF2-40B4-BE49-F238E27FC236}">
-                  <a16:creationId xmlns:a16="http://schemas.microsoft.com/office/drawing/2014/main" xmlns="" id="{2D1A92E7-64C3-4807-A876-D40ADEAD8475}"/>
+                  <a16:creationId xmlns="" xmlns:a16="http://schemas.microsoft.com/office/drawing/2014/main" id="{2D1A92E7-64C3-4807-A876-D40ADEAD8475}"/>
                 </a:ext>
               </a:extLst>
             </p:cNvPr>
@@ -49190,7 +49496,7 @@
             <p:cNvPr id="50" name="楕円 52">
               <a:extLst>
                 <a:ext uri="{FF2B5EF4-FFF2-40B4-BE49-F238E27FC236}">
-                  <a16:creationId xmlns:a16="http://schemas.microsoft.com/office/drawing/2014/main" xmlns="" id="{E3EDD4A3-2C13-40A6-8CAA-328458F7DEA2}"/>
+                  <a16:creationId xmlns="" xmlns:a16="http://schemas.microsoft.com/office/drawing/2014/main" id="{E3EDD4A3-2C13-40A6-8CAA-328458F7DEA2}"/>
                 </a:ext>
               </a:extLst>
             </p:cNvPr>
@@ -49243,7 +49549,7 @@
             <p:cNvPr id="51" name="楕円 53">
               <a:extLst>
                 <a:ext uri="{FF2B5EF4-FFF2-40B4-BE49-F238E27FC236}">
-                  <a16:creationId xmlns:a16="http://schemas.microsoft.com/office/drawing/2014/main" xmlns="" id="{D8D17298-EB72-46AB-A032-69E21307D5A2}"/>
+                  <a16:creationId xmlns="" xmlns:a16="http://schemas.microsoft.com/office/drawing/2014/main" id="{D8D17298-EB72-46AB-A032-69E21307D5A2}"/>
                 </a:ext>
               </a:extLst>
             </p:cNvPr>
@@ -49296,7 +49602,7 @@
             <p:cNvPr id="52" name="楕円 54">
               <a:extLst>
                 <a:ext uri="{FF2B5EF4-FFF2-40B4-BE49-F238E27FC236}">
-                  <a16:creationId xmlns:a16="http://schemas.microsoft.com/office/drawing/2014/main" xmlns="" id="{1719E95F-10D2-4FA0-8D9F-0ED4E26F0DDB}"/>
+                  <a16:creationId xmlns="" xmlns:a16="http://schemas.microsoft.com/office/drawing/2014/main" id="{1719E95F-10D2-4FA0-8D9F-0ED4E26F0DDB}"/>
                 </a:ext>
               </a:extLst>
             </p:cNvPr>
@@ -49349,7 +49655,7 @@
             <p:cNvPr id="53" name="楕円 55">
               <a:extLst>
                 <a:ext uri="{FF2B5EF4-FFF2-40B4-BE49-F238E27FC236}">
-                  <a16:creationId xmlns:a16="http://schemas.microsoft.com/office/drawing/2014/main" xmlns="" id="{9DD8463C-B9A0-470A-AF9C-B4CAE6BAC386}"/>
+                  <a16:creationId xmlns="" xmlns:a16="http://schemas.microsoft.com/office/drawing/2014/main" id="{9DD8463C-B9A0-470A-AF9C-B4CAE6BAC386}"/>
                 </a:ext>
               </a:extLst>
             </p:cNvPr>
@@ -49402,7 +49708,7 @@
             <p:cNvPr id="54" name="楕円 56">
               <a:extLst>
                 <a:ext uri="{FF2B5EF4-FFF2-40B4-BE49-F238E27FC236}">
-                  <a16:creationId xmlns:a16="http://schemas.microsoft.com/office/drawing/2014/main" xmlns="" id="{C0979B31-B2FD-4360-9C51-C8D3897D3A2A}"/>
+                  <a16:creationId xmlns="" xmlns:a16="http://schemas.microsoft.com/office/drawing/2014/main" id="{C0979B31-B2FD-4360-9C51-C8D3897D3A2A}"/>
                 </a:ext>
               </a:extLst>
             </p:cNvPr>
@@ -49455,7 +49761,7 @@
             <p:cNvPr id="55" name="楕円 57">
               <a:extLst>
                 <a:ext uri="{FF2B5EF4-FFF2-40B4-BE49-F238E27FC236}">
-                  <a16:creationId xmlns:a16="http://schemas.microsoft.com/office/drawing/2014/main" xmlns="" id="{02429D70-F678-49A9-8EDB-4DB032778F17}"/>
+                  <a16:creationId xmlns="" xmlns:a16="http://schemas.microsoft.com/office/drawing/2014/main" id="{02429D70-F678-49A9-8EDB-4DB032778F17}"/>
                 </a:ext>
               </a:extLst>
             </p:cNvPr>
@@ -49508,7 +49814,7 @@
             <p:cNvPr id="56" name="楕円 59">
               <a:extLst>
                 <a:ext uri="{FF2B5EF4-FFF2-40B4-BE49-F238E27FC236}">
-                  <a16:creationId xmlns:a16="http://schemas.microsoft.com/office/drawing/2014/main" xmlns="" id="{A271B694-F533-4348-BD45-A77E8C27C080}"/>
+                  <a16:creationId xmlns="" xmlns:a16="http://schemas.microsoft.com/office/drawing/2014/main" id="{A271B694-F533-4348-BD45-A77E8C27C080}"/>
                 </a:ext>
               </a:extLst>
             </p:cNvPr>
@@ -49561,7 +49867,7 @@
             <p:cNvPr id="57" name="楕円 60">
               <a:extLst>
                 <a:ext uri="{FF2B5EF4-FFF2-40B4-BE49-F238E27FC236}">
-                  <a16:creationId xmlns:a16="http://schemas.microsoft.com/office/drawing/2014/main" xmlns="" id="{0A62E3A6-B410-4B1C-A5E2-0739C4CEA58D}"/>
+                  <a16:creationId xmlns="" xmlns:a16="http://schemas.microsoft.com/office/drawing/2014/main" id="{0A62E3A6-B410-4B1C-A5E2-0739C4CEA58D}"/>
                 </a:ext>
               </a:extLst>
             </p:cNvPr>
@@ -49614,7 +49920,7 @@
             <p:cNvPr id="58" name="楕円 61">
               <a:extLst>
                 <a:ext uri="{FF2B5EF4-FFF2-40B4-BE49-F238E27FC236}">
-                  <a16:creationId xmlns:a16="http://schemas.microsoft.com/office/drawing/2014/main" xmlns="" id="{B43B509A-EFED-4F43-843B-71E2651BED84}"/>
+                  <a16:creationId xmlns="" xmlns:a16="http://schemas.microsoft.com/office/drawing/2014/main" id="{B43B509A-EFED-4F43-843B-71E2651BED84}"/>
                 </a:ext>
               </a:extLst>
             </p:cNvPr>
@@ -49667,7 +49973,7 @@
             <p:cNvPr id="59" name="楕円 62">
               <a:extLst>
                 <a:ext uri="{FF2B5EF4-FFF2-40B4-BE49-F238E27FC236}">
-                  <a16:creationId xmlns:a16="http://schemas.microsoft.com/office/drawing/2014/main" xmlns="" id="{0FE73DAF-91C2-4471-A782-4D410A98695A}"/>
+                  <a16:creationId xmlns="" xmlns:a16="http://schemas.microsoft.com/office/drawing/2014/main" id="{0FE73DAF-91C2-4471-A782-4D410A98695A}"/>
                 </a:ext>
               </a:extLst>
             </p:cNvPr>
@@ -49720,7 +50026,7 @@
             <p:cNvPr id="60" name="楕円 63">
               <a:extLst>
                 <a:ext uri="{FF2B5EF4-FFF2-40B4-BE49-F238E27FC236}">
-                  <a16:creationId xmlns:a16="http://schemas.microsoft.com/office/drawing/2014/main" xmlns="" id="{4853A309-9E16-40EC-B69A-4D62BFF3D2C5}"/>
+                  <a16:creationId xmlns="" xmlns:a16="http://schemas.microsoft.com/office/drawing/2014/main" id="{4853A309-9E16-40EC-B69A-4D62BFF3D2C5}"/>
                 </a:ext>
               </a:extLst>
             </p:cNvPr>
@@ -49773,7 +50079,7 @@
             <p:cNvPr id="61" name="楕円 64">
               <a:extLst>
                 <a:ext uri="{FF2B5EF4-FFF2-40B4-BE49-F238E27FC236}">
-                  <a16:creationId xmlns:a16="http://schemas.microsoft.com/office/drawing/2014/main" xmlns="" id="{732BD0FF-C606-4828-B947-A1D78B46E2D6}"/>
+                  <a16:creationId xmlns="" xmlns:a16="http://schemas.microsoft.com/office/drawing/2014/main" id="{732BD0FF-C606-4828-B947-A1D78B46E2D6}"/>
                 </a:ext>
               </a:extLst>
             </p:cNvPr>
@@ -49826,7 +50132,7 @@
             <p:cNvPr id="62" name="楕円 65">
               <a:extLst>
                 <a:ext uri="{FF2B5EF4-FFF2-40B4-BE49-F238E27FC236}">
-                  <a16:creationId xmlns:a16="http://schemas.microsoft.com/office/drawing/2014/main" xmlns="" id="{B686966C-E84D-4453-B888-F66BAC7D5699}"/>
+                  <a16:creationId xmlns="" xmlns:a16="http://schemas.microsoft.com/office/drawing/2014/main" id="{B686966C-E84D-4453-B888-F66BAC7D5699}"/>
                 </a:ext>
               </a:extLst>
             </p:cNvPr>
@@ -49879,7 +50185,7 @@
             <p:cNvPr id="63" name="楕円 66">
               <a:extLst>
                 <a:ext uri="{FF2B5EF4-FFF2-40B4-BE49-F238E27FC236}">
-                  <a16:creationId xmlns:a16="http://schemas.microsoft.com/office/drawing/2014/main" xmlns="" id="{915C6F1F-841B-494D-B97B-050107B8D405}"/>
+                  <a16:creationId xmlns="" xmlns:a16="http://schemas.microsoft.com/office/drawing/2014/main" id="{915C6F1F-841B-494D-B97B-050107B8D405}"/>
                 </a:ext>
               </a:extLst>
             </p:cNvPr>
@@ -49932,7 +50238,7 @@
             <p:cNvPr id="64" name="楕円 67">
               <a:extLst>
                 <a:ext uri="{FF2B5EF4-FFF2-40B4-BE49-F238E27FC236}">
-                  <a16:creationId xmlns:a16="http://schemas.microsoft.com/office/drawing/2014/main" xmlns="" id="{3A6DEC22-2FD8-46FC-A4A0-75CB4CB8D4AB}"/>
+                  <a16:creationId xmlns="" xmlns:a16="http://schemas.microsoft.com/office/drawing/2014/main" id="{3A6DEC22-2FD8-46FC-A4A0-75CB4CB8D4AB}"/>
                 </a:ext>
               </a:extLst>
             </p:cNvPr>
@@ -49985,7 +50291,7 @@
             <p:cNvPr id="65" name="楕円 68">
               <a:extLst>
                 <a:ext uri="{FF2B5EF4-FFF2-40B4-BE49-F238E27FC236}">
-                  <a16:creationId xmlns:a16="http://schemas.microsoft.com/office/drawing/2014/main" xmlns="" id="{C34CA9B6-7CED-4CEF-9E02-406755B73A97}"/>
+                  <a16:creationId xmlns="" xmlns:a16="http://schemas.microsoft.com/office/drawing/2014/main" id="{C34CA9B6-7CED-4CEF-9E02-406755B73A97}"/>
                 </a:ext>
               </a:extLst>
             </p:cNvPr>
@@ -50038,7 +50344,7 @@
             <p:cNvPr id="66" name="楕円 69">
               <a:extLst>
                 <a:ext uri="{FF2B5EF4-FFF2-40B4-BE49-F238E27FC236}">
-                  <a16:creationId xmlns:a16="http://schemas.microsoft.com/office/drawing/2014/main" xmlns="" id="{D0C7CC2B-DB9F-46FC-84D6-584DAE291EBF}"/>
+                  <a16:creationId xmlns="" xmlns:a16="http://schemas.microsoft.com/office/drawing/2014/main" id="{D0C7CC2B-DB9F-46FC-84D6-584DAE291EBF}"/>
                 </a:ext>
               </a:extLst>
             </p:cNvPr>
@@ -50091,7 +50397,7 @@
             <p:cNvPr id="67" name="楕円 70">
               <a:extLst>
                 <a:ext uri="{FF2B5EF4-FFF2-40B4-BE49-F238E27FC236}">
-                  <a16:creationId xmlns:a16="http://schemas.microsoft.com/office/drawing/2014/main" xmlns="" id="{44EF5624-8D81-480E-8D3D-002AD3B922C0}"/>
+                  <a16:creationId xmlns="" xmlns:a16="http://schemas.microsoft.com/office/drawing/2014/main" id="{44EF5624-8D81-480E-8D3D-002AD3B922C0}"/>
                 </a:ext>
               </a:extLst>
             </p:cNvPr>
@@ -50144,7 +50450,7 @@
             <p:cNvPr id="68" name="楕円 71">
               <a:extLst>
                 <a:ext uri="{FF2B5EF4-FFF2-40B4-BE49-F238E27FC236}">
-                  <a16:creationId xmlns:a16="http://schemas.microsoft.com/office/drawing/2014/main" xmlns="" id="{39D56DBB-BB37-4F86-8457-6B6D81DF7F99}"/>
+                  <a16:creationId xmlns="" xmlns:a16="http://schemas.microsoft.com/office/drawing/2014/main" id="{39D56DBB-BB37-4F86-8457-6B6D81DF7F99}"/>
                 </a:ext>
               </a:extLst>
             </p:cNvPr>
@@ -50197,7 +50503,7 @@
             <p:cNvPr id="69" name="矢印: 右 2">
               <a:extLst>
                 <a:ext uri="{FF2B5EF4-FFF2-40B4-BE49-F238E27FC236}">
-                  <a16:creationId xmlns:a16="http://schemas.microsoft.com/office/drawing/2014/main" xmlns="" id="{523BCD35-7486-444E-B6FC-C7E3709B0AFE}"/>
+                  <a16:creationId xmlns="" xmlns:a16="http://schemas.microsoft.com/office/drawing/2014/main" id="{523BCD35-7486-444E-B6FC-C7E3709B0AFE}"/>
                 </a:ext>
               </a:extLst>
             </p:cNvPr>
@@ -50638,7 +50944,7 @@
           <p:cNvPr id="2" name="タイトル 1">
             <a:extLst>
               <a:ext uri="{FF2B5EF4-FFF2-40B4-BE49-F238E27FC236}">
-                <a16:creationId xmlns:a16="http://schemas.microsoft.com/office/drawing/2014/main" xmlns="" id="{FD4F6492-A51F-4C63-AFD4-2658EC392FB2}"/>
+                <a16:creationId xmlns="" xmlns:a16="http://schemas.microsoft.com/office/drawing/2014/main" id="{FD4F6492-A51F-4C63-AFD4-2658EC392FB2}"/>
               </a:ext>
             </a:extLst>
           </p:cNvPr>
@@ -50670,7 +50976,7 @@
           <p:cNvPr id="4" name="スライド番号プレースホルダー 3">
             <a:extLst>
               <a:ext uri="{FF2B5EF4-FFF2-40B4-BE49-F238E27FC236}">
-                <a16:creationId xmlns:a16="http://schemas.microsoft.com/office/drawing/2014/main" xmlns="" id="{333BC96F-3A99-41E3-BD58-A80E575D3F95}"/>
+                <a16:creationId xmlns="" xmlns:a16="http://schemas.microsoft.com/office/drawing/2014/main" id="{333BC96F-3A99-41E3-BD58-A80E575D3F95}"/>
               </a:ext>
             </a:extLst>
           </p:cNvPr>
@@ -50702,7 +51008,7 @@
               <p:cNvPr id="5" name="コンテンツ プレースホルダー 4">
                 <a:extLst>
                   <a:ext uri="{FF2B5EF4-FFF2-40B4-BE49-F238E27FC236}">
-                    <a16:creationId xmlns:a16="http://schemas.microsoft.com/office/drawing/2014/main" xmlns="" id="{1C69B798-EB63-4861-A7FD-6D2A9E4B3BBB}"/>
+                    <a16:creationId xmlns="" xmlns:a16="http://schemas.microsoft.com/office/drawing/2014/main" id="{1C69B798-EB63-4861-A7FD-6D2A9E4B3BBB}"/>
                   </a:ext>
                 </a:extLst>
               </p:cNvPr>
@@ -50731,21 +51037,21 @@
                     <a:gridCol w="2923242">
                       <a:extLst>
                         <a:ext uri="{9D8B030D-6E8A-4147-A177-3AD203B41FA5}">
-                          <a16:colId xmlns:a16="http://schemas.microsoft.com/office/drawing/2014/main" xmlns="" val="20000"/>
+                          <a16:colId xmlns="" xmlns:a16="http://schemas.microsoft.com/office/drawing/2014/main" val="20000"/>
                         </a:ext>
                       </a:extLst>
                     </a:gridCol>
                     <a:gridCol w="1597344">
                       <a:extLst>
                         <a:ext uri="{9D8B030D-6E8A-4147-A177-3AD203B41FA5}">
-                          <a16:colId xmlns:a16="http://schemas.microsoft.com/office/drawing/2014/main" xmlns="" val="20001"/>
+                          <a16:colId xmlns="" xmlns:a16="http://schemas.microsoft.com/office/drawing/2014/main" val="20001"/>
                         </a:ext>
                       </a:extLst>
                     </a:gridCol>
                     <a:gridCol w="3206798">
                       <a:extLst>
                         <a:ext uri="{9D8B030D-6E8A-4147-A177-3AD203B41FA5}">
-                          <a16:colId xmlns:a16="http://schemas.microsoft.com/office/drawing/2014/main" xmlns="" val="20002"/>
+                          <a16:colId xmlns="" xmlns:a16="http://schemas.microsoft.com/office/drawing/2014/main" val="20002"/>
                         </a:ext>
                       </a:extLst>
                     </a:gridCol>
@@ -50795,7 +51101,7 @@
                     </a:tc>
                     <a:extLst>
                       <a:ext uri="{0D108BD9-81ED-4DB2-BD59-A6C34878D82A}">
-                        <a16:rowId xmlns:a16="http://schemas.microsoft.com/office/drawing/2014/main" xmlns="" val="10000"/>
+                        <a16:rowId xmlns="" xmlns:a16="http://schemas.microsoft.com/office/drawing/2014/main" val="10000"/>
                       </a:ext>
                     </a:extLst>
                   </a:tr>
@@ -50892,7 +51198,7 @@
                     </a:tc>
                     <a:extLst>
                       <a:ext uri="{0D108BD9-81ED-4DB2-BD59-A6C34878D82A}">
-                        <a16:rowId xmlns:a16="http://schemas.microsoft.com/office/drawing/2014/main" xmlns="" val="10001"/>
+                        <a16:rowId xmlns="" xmlns:a16="http://schemas.microsoft.com/office/drawing/2014/main" val="10001"/>
                       </a:ext>
                     </a:extLst>
                   </a:tr>
@@ -50962,7 +51268,7 @@
                     </a:tc>
                     <a:extLst>
                       <a:ext uri="{0D108BD9-81ED-4DB2-BD59-A6C34878D82A}">
-                        <a16:rowId xmlns:a16="http://schemas.microsoft.com/office/drawing/2014/main" xmlns="" val="10002"/>
+                        <a16:rowId xmlns="" xmlns:a16="http://schemas.microsoft.com/office/drawing/2014/main" val="10002"/>
                       </a:ext>
                     </a:extLst>
                   </a:tr>
@@ -51020,7 +51326,7 @@
                     </a:tc>
                     <a:extLst>
                       <a:ext uri="{0D108BD9-81ED-4DB2-BD59-A6C34878D82A}">
-                        <a16:rowId xmlns:a16="http://schemas.microsoft.com/office/drawing/2014/main" xmlns="" val="10003"/>
+                        <a16:rowId xmlns="" xmlns:a16="http://schemas.microsoft.com/office/drawing/2014/main" val="10003"/>
                       </a:ext>
                     </a:extLst>
                   </a:tr>
@@ -51135,7 +51441,7 @@
                     </a:tc>
                     <a:extLst>
                       <a:ext uri="{0D108BD9-81ED-4DB2-BD59-A6C34878D82A}">
-                        <a16:rowId xmlns:a16="http://schemas.microsoft.com/office/drawing/2014/main" xmlns="" val="10004"/>
+                        <a16:rowId xmlns="" xmlns:a16="http://schemas.microsoft.com/office/drawing/2014/main" val="10004"/>
                       </a:ext>
                     </a:extLst>
                   </a:tr>
@@ -51235,7 +51541,7 @@
                     </a:tc>
                     <a:extLst>
                       <a:ext uri="{0D108BD9-81ED-4DB2-BD59-A6C34878D82A}">
-                        <a16:rowId xmlns:a16="http://schemas.microsoft.com/office/drawing/2014/main" xmlns="" val="1921047448"/>
+                        <a16:rowId xmlns="" xmlns:a16="http://schemas.microsoft.com/office/drawing/2014/main" val="1921047448"/>
                       </a:ext>
                     </a:extLst>
                   </a:tr>
@@ -53562,7 +53868,7 @@
           <p:cNvPr id="44" name="コンテンツ プレースホルダー 2">
             <a:extLst>
               <a:ext uri="{FF2B5EF4-FFF2-40B4-BE49-F238E27FC236}">
-                <a16:creationId xmlns:a16="http://schemas.microsoft.com/office/drawing/2014/main" xmlns="" id="{FF1AEBCD-8080-443B-8D28-D3C3FE23AE32}"/>
+                <a16:creationId xmlns="" xmlns:a16="http://schemas.microsoft.com/office/drawing/2014/main" id="{FF1AEBCD-8080-443B-8D28-D3C3FE23AE32}"/>
               </a:ext>
             </a:extLst>
           </p:cNvPr>
